--- a/ppt/IoT07-Python.pptx
+++ b/ppt/IoT07-Python.pptx
@@ -5,10 +5,10 @@
     <p:sldMasterId id="2147483653" r:id="rId1"/>
   </p:sldMasterIdLst>
   <p:notesMasterIdLst>
-    <p:notesMasterId r:id="rId37"/>
+    <p:notesMasterId r:id="rId35"/>
   </p:notesMasterIdLst>
   <p:handoutMasterIdLst>
-    <p:handoutMasterId r:id="rId38"/>
+    <p:handoutMasterId r:id="rId36"/>
   </p:handoutMasterIdLst>
   <p:sldIdLst>
     <p:sldId id="264" r:id="rId2"/>
@@ -44,8 +44,6 @@
     <p:sldId id="330" r:id="rId32"/>
     <p:sldId id="331" r:id="rId33"/>
     <p:sldId id="335" r:id="rId34"/>
-    <p:sldId id="343" r:id="rId35"/>
-    <p:sldId id="344" r:id="rId36"/>
   </p:sldIdLst>
   <p:sldSz cx="9144000" cy="6858000" type="screen4x3"/>
   <p:notesSz cx="6648450" cy="9782175"/>
@@ -638,35 +636,35 @@
           <a:p>
             <a:pPr lvl="0"/>
             <a:r>
-              <a:rPr lang="fr-FR" noProof="0" smtClean="0"/>
+              <a:rPr lang="fr-FR" noProof="0"/>
               <a:t>Cliquez pour modifier les styles du texte du masque</a:t>
             </a:r>
           </a:p>
           <a:p>
             <a:pPr lvl="1"/>
             <a:r>
-              <a:rPr lang="fr-FR" noProof="0" smtClean="0"/>
+              <a:rPr lang="fr-FR" noProof="0"/>
               <a:t>Deuxième niveau</a:t>
             </a:r>
           </a:p>
           <a:p>
             <a:pPr lvl="2"/>
             <a:r>
-              <a:rPr lang="fr-FR" noProof="0" smtClean="0"/>
+              <a:rPr lang="fr-FR" noProof="0"/>
               <a:t>Troisième niveau</a:t>
             </a:r>
           </a:p>
           <a:p>
             <a:pPr lvl="3"/>
             <a:r>
-              <a:rPr lang="fr-FR" noProof="0" smtClean="0"/>
+              <a:rPr lang="fr-FR" noProof="0"/>
               <a:t>Quatrième niveau</a:t>
             </a:r>
           </a:p>
           <a:p>
             <a:pPr lvl="4"/>
             <a:r>
-              <a:rPr lang="fr-FR" noProof="0" smtClean="0"/>
+              <a:rPr lang="fr-FR" noProof="0"/>
               <a:t>Cinquième niveau</a:t>
             </a:r>
           </a:p>
@@ -954,10 +952,9 @@
           <a:lstStyle/>
           <a:p>
             <a:r>
-              <a:rPr lang="fr-FR" smtClean="0"/>
+              <a:rPr lang="fr-FR"/>
               <a:t>Cliquez pour modifier le style du titre</a:t>
             </a:r>
-            <a:endParaRPr lang="fr-FR"/>
           </a:p>
         </p:txBody>
       </p:sp>
@@ -1019,10 +1016,9 @@
           </a:lstStyle>
           <a:p>
             <a:r>
-              <a:rPr lang="fr-FR" smtClean="0"/>
+              <a:rPr lang="fr-FR"/>
               <a:t>Cliquez pour modifier le style des sous-titres du masque</a:t>
             </a:r>
-            <a:endParaRPr lang="fr-FR"/>
           </a:p>
         </p:txBody>
       </p:sp>
@@ -1077,10 +1073,9 @@
           <a:lstStyle/>
           <a:p>
             <a:r>
-              <a:rPr lang="fr-FR" smtClean="0"/>
+              <a:rPr lang="fr-FR"/>
               <a:t>Cliquez pour modifier le style du titre</a:t>
             </a:r>
-            <a:endParaRPr lang="fr-FR"/>
           </a:p>
         </p:txBody>
       </p:sp>
@@ -1106,38 +1101,37 @@
           <a:p>
             <a:pPr lvl="0"/>
             <a:r>
-              <a:rPr lang="fr-FR" smtClean="0"/>
+              <a:rPr lang="fr-FR"/>
               <a:t>Cliquez pour modifier les styles du texte du masque</a:t>
             </a:r>
           </a:p>
           <a:p>
             <a:pPr lvl="1"/>
             <a:r>
-              <a:rPr lang="fr-FR" smtClean="0"/>
+              <a:rPr lang="fr-FR"/>
               <a:t>Deuxième niveau</a:t>
             </a:r>
           </a:p>
           <a:p>
             <a:pPr lvl="2"/>
             <a:r>
-              <a:rPr lang="fr-FR" smtClean="0"/>
+              <a:rPr lang="fr-FR"/>
               <a:t>Troisième niveau</a:t>
             </a:r>
           </a:p>
           <a:p>
             <a:pPr lvl="3"/>
             <a:r>
-              <a:rPr lang="fr-FR" smtClean="0"/>
+              <a:rPr lang="fr-FR"/>
               <a:t>Quatrième niveau</a:t>
             </a:r>
           </a:p>
           <a:p>
             <a:pPr lvl="4"/>
             <a:r>
-              <a:rPr lang="fr-FR" smtClean="0"/>
+              <a:rPr lang="fr-FR"/>
               <a:t>Cinquième niveau</a:t>
             </a:r>
-            <a:endParaRPr lang="fr-FR"/>
           </a:p>
         </p:txBody>
       </p:sp>
@@ -1196,10 +1190,9 @@
           </a:lstStyle>
           <a:p>
             <a:r>
-              <a:rPr lang="fr-FR" dirty="0" smtClean="0"/>
+              <a:rPr lang="fr-FR" dirty="0"/>
               <a:t>Cliquez pour modifier le style du titre</a:t>
             </a:r>
-            <a:endParaRPr lang="fr-FR" dirty="0"/>
           </a:p>
         </p:txBody>
       </p:sp>
@@ -1225,38 +1218,37 @@
           <a:p>
             <a:pPr lvl="0"/>
             <a:r>
-              <a:rPr lang="fr-FR" dirty="0" smtClean="0"/>
+              <a:rPr lang="fr-FR" dirty="0"/>
               <a:t>Cliquez pour modifier les styles du texte du masque</a:t>
             </a:r>
           </a:p>
           <a:p>
             <a:pPr lvl="1"/>
             <a:r>
-              <a:rPr lang="fr-FR" dirty="0" smtClean="0"/>
+              <a:rPr lang="fr-FR" dirty="0"/>
               <a:t>Deuxième niveau</a:t>
             </a:r>
           </a:p>
           <a:p>
             <a:pPr lvl="2"/>
             <a:r>
-              <a:rPr lang="fr-FR" dirty="0" smtClean="0"/>
+              <a:rPr lang="fr-FR" dirty="0"/>
               <a:t>Troisième niveau</a:t>
             </a:r>
           </a:p>
           <a:p>
             <a:pPr lvl="3"/>
             <a:r>
-              <a:rPr lang="fr-FR" dirty="0" smtClean="0"/>
+              <a:rPr lang="fr-FR" dirty="0"/>
               <a:t>Quatrième niveau</a:t>
             </a:r>
           </a:p>
           <a:p>
             <a:pPr lvl="4"/>
             <a:r>
-              <a:rPr lang="fr-FR" dirty="0" smtClean="0"/>
+              <a:rPr lang="fr-FR" dirty="0"/>
               <a:t>Cinquième niveau</a:t>
             </a:r>
-            <a:endParaRPr lang="fr-FR" dirty="0"/>
           </a:p>
         </p:txBody>
       </p:sp>
@@ -1306,10 +1298,9 @@
           <a:lstStyle/>
           <a:p>
             <a:r>
-              <a:rPr lang="fr-FR" smtClean="0"/>
+              <a:rPr lang="fr-FR"/>
               <a:t>Cliquez pour modifier le style du titre</a:t>
             </a:r>
-            <a:endParaRPr lang="fr-FR"/>
           </a:p>
         </p:txBody>
       </p:sp>
@@ -1363,38 +1354,37 @@
           <a:p>
             <a:pPr lvl="0"/>
             <a:r>
-              <a:rPr lang="fr-FR" smtClean="0"/>
+              <a:rPr lang="fr-FR"/>
               <a:t>Cliquez pour modifier les styles du texte du masque</a:t>
             </a:r>
           </a:p>
           <a:p>
             <a:pPr lvl="1"/>
             <a:r>
-              <a:rPr lang="fr-FR" smtClean="0"/>
+              <a:rPr lang="fr-FR"/>
               <a:t>Deuxième niveau</a:t>
             </a:r>
           </a:p>
           <a:p>
             <a:pPr lvl="2"/>
             <a:r>
-              <a:rPr lang="fr-FR" smtClean="0"/>
+              <a:rPr lang="fr-FR"/>
               <a:t>Troisième niveau</a:t>
             </a:r>
           </a:p>
           <a:p>
             <a:pPr lvl="3"/>
             <a:r>
-              <a:rPr lang="fr-FR" smtClean="0"/>
+              <a:rPr lang="fr-FR"/>
               <a:t>Quatrième niveau</a:t>
             </a:r>
           </a:p>
           <a:p>
             <a:pPr lvl="4"/>
             <a:r>
-              <a:rPr lang="fr-FR" smtClean="0"/>
+              <a:rPr lang="fr-FR"/>
               <a:t>Cinquième niveau</a:t>
             </a:r>
-            <a:endParaRPr lang="fr-FR"/>
           </a:p>
         </p:txBody>
       </p:sp>
@@ -1448,38 +1438,37 @@
           <a:p>
             <a:pPr lvl="0"/>
             <a:r>
-              <a:rPr lang="fr-FR" smtClean="0"/>
+              <a:rPr lang="fr-FR"/>
               <a:t>Cliquez pour modifier les styles du texte du masque</a:t>
             </a:r>
           </a:p>
           <a:p>
             <a:pPr lvl="1"/>
             <a:r>
-              <a:rPr lang="fr-FR" smtClean="0"/>
+              <a:rPr lang="fr-FR"/>
               <a:t>Deuxième niveau</a:t>
             </a:r>
           </a:p>
           <a:p>
             <a:pPr lvl="2"/>
             <a:r>
-              <a:rPr lang="fr-FR" smtClean="0"/>
+              <a:rPr lang="fr-FR"/>
               <a:t>Troisième niveau</a:t>
             </a:r>
           </a:p>
           <a:p>
             <a:pPr lvl="3"/>
             <a:r>
-              <a:rPr lang="fr-FR" smtClean="0"/>
+              <a:rPr lang="fr-FR"/>
               <a:t>Quatrième niveau</a:t>
             </a:r>
           </a:p>
           <a:p>
             <a:pPr lvl="4"/>
             <a:r>
-              <a:rPr lang="fr-FR" smtClean="0"/>
+              <a:rPr lang="fr-FR"/>
               <a:t>Cinquième niveau</a:t>
             </a:r>
-            <a:endParaRPr lang="fr-FR"/>
           </a:p>
         </p:txBody>
       </p:sp>
@@ -1538,10 +1527,9 @@
           </a:lstStyle>
           <a:p>
             <a:r>
-              <a:rPr lang="fr-FR" smtClean="0"/>
+              <a:rPr lang="fr-FR"/>
               <a:t>Cliquez pour modifier le style du titre</a:t>
             </a:r>
-            <a:endParaRPr lang="fr-FR"/>
           </a:p>
         </p:txBody>
       </p:sp>
@@ -1604,7 +1592,7 @@
           <a:p>
             <a:pPr lvl="0"/>
             <a:r>
-              <a:rPr lang="fr-FR" smtClean="0"/>
+              <a:rPr lang="fr-FR"/>
               <a:t>Cliquez pour modifier les styles du texte du masque</a:t>
             </a:r>
           </a:p>
@@ -1660,38 +1648,37 @@
           <a:p>
             <a:pPr lvl="0"/>
             <a:r>
-              <a:rPr lang="fr-FR" smtClean="0"/>
+              <a:rPr lang="fr-FR"/>
               <a:t>Cliquez pour modifier les styles du texte du masque</a:t>
             </a:r>
           </a:p>
           <a:p>
             <a:pPr lvl="1"/>
             <a:r>
-              <a:rPr lang="fr-FR" smtClean="0"/>
+              <a:rPr lang="fr-FR"/>
               <a:t>Deuxième niveau</a:t>
             </a:r>
           </a:p>
           <a:p>
             <a:pPr lvl="2"/>
             <a:r>
-              <a:rPr lang="fr-FR" smtClean="0"/>
+              <a:rPr lang="fr-FR"/>
               <a:t>Troisième niveau</a:t>
             </a:r>
           </a:p>
           <a:p>
             <a:pPr lvl="3"/>
             <a:r>
-              <a:rPr lang="fr-FR" smtClean="0"/>
+              <a:rPr lang="fr-FR"/>
               <a:t>Quatrième niveau</a:t>
             </a:r>
           </a:p>
           <a:p>
             <a:pPr lvl="4"/>
             <a:r>
-              <a:rPr lang="fr-FR" smtClean="0"/>
+              <a:rPr lang="fr-FR"/>
               <a:t>Cinquième niveau</a:t>
             </a:r>
-            <a:endParaRPr lang="fr-FR"/>
           </a:p>
         </p:txBody>
       </p:sp>
@@ -1754,7 +1741,7 @@
           <a:p>
             <a:pPr lvl="0"/>
             <a:r>
-              <a:rPr lang="fr-FR" smtClean="0"/>
+              <a:rPr lang="fr-FR"/>
               <a:t>Cliquez pour modifier les styles du texte du masque</a:t>
             </a:r>
           </a:p>
@@ -1810,38 +1797,37 @@
           <a:p>
             <a:pPr lvl="0"/>
             <a:r>
-              <a:rPr lang="fr-FR" smtClean="0"/>
+              <a:rPr lang="fr-FR"/>
               <a:t>Cliquez pour modifier les styles du texte du masque</a:t>
             </a:r>
           </a:p>
           <a:p>
             <a:pPr lvl="1"/>
             <a:r>
-              <a:rPr lang="fr-FR" smtClean="0"/>
+              <a:rPr lang="fr-FR"/>
               <a:t>Deuxième niveau</a:t>
             </a:r>
           </a:p>
           <a:p>
             <a:pPr lvl="2"/>
             <a:r>
-              <a:rPr lang="fr-FR" smtClean="0"/>
+              <a:rPr lang="fr-FR"/>
               <a:t>Troisième niveau</a:t>
             </a:r>
           </a:p>
           <a:p>
             <a:pPr lvl="3"/>
             <a:r>
-              <a:rPr lang="fr-FR" smtClean="0"/>
+              <a:rPr lang="fr-FR"/>
               <a:t>Quatrième niveau</a:t>
             </a:r>
           </a:p>
           <a:p>
             <a:pPr lvl="4"/>
             <a:r>
-              <a:rPr lang="fr-FR" smtClean="0"/>
+              <a:rPr lang="fr-FR"/>
               <a:t>Cinquième niveau</a:t>
             </a:r>
-            <a:endParaRPr lang="fr-FR"/>
           </a:p>
         </p:txBody>
       </p:sp>
@@ -1891,10 +1877,9 @@
           <a:lstStyle/>
           <a:p>
             <a:r>
-              <a:rPr lang="fr-FR" smtClean="0"/>
+              <a:rPr lang="fr-FR"/>
               <a:t>Cliquez pour modifier le style du titre</a:t>
             </a:r>
-            <a:endParaRPr lang="fr-FR"/>
           </a:p>
         </p:txBody>
       </p:sp>
@@ -1983,10 +1968,9 @@
           </a:lstStyle>
           <a:p>
             <a:r>
-              <a:rPr lang="fr-FR" smtClean="0"/>
+              <a:rPr lang="fr-FR"/>
               <a:t>Cliquez pour modifier le style du titre</a:t>
             </a:r>
-            <a:endParaRPr lang="fr-FR"/>
           </a:p>
         </p:txBody>
       </p:sp>
@@ -2040,38 +2024,37 @@
           <a:p>
             <a:pPr lvl="0"/>
             <a:r>
-              <a:rPr lang="fr-FR" smtClean="0"/>
+              <a:rPr lang="fr-FR"/>
               <a:t>Cliquez pour modifier les styles du texte du masque</a:t>
             </a:r>
           </a:p>
           <a:p>
             <a:pPr lvl="1"/>
             <a:r>
-              <a:rPr lang="fr-FR" smtClean="0"/>
+              <a:rPr lang="fr-FR"/>
               <a:t>Deuxième niveau</a:t>
             </a:r>
           </a:p>
           <a:p>
             <a:pPr lvl="2"/>
             <a:r>
-              <a:rPr lang="fr-FR" smtClean="0"/>
+              <a:rPr lang="fr-FR"/>
               <a:t>Troisième niveau</a:t>
             </a:r>
           </a:p>
           <a:p>
             <a:pPr lvl="3"/>
             <a:r>
-              <a:rPr lang="fr-FR" smtClean="0"/>
+              <a:rPr lang="fr-FR"/>
               <a:t>Quatrième niveau</a:t>
             </a:r>
           </a:p>
           <a:p>
             <a:pPr lvl="4"/>
             <a:r>
-              <a:rPr lang="fr-FR" smtClean="0"/>
+              <a:rPr lang="fr-FR"/>
               <a:t>Cinquième niveau</a:t>
             </a:r>
-            <a:endParaRPr lang="fr-FR"/>
           </a:p>
         </p:txBody>
       </p:sp>
@@ -2134,7 +2117,7 @@
           <a:p>
             <a:pPr lvl="0"/>
             <a:r>
-              <a:rPr lang="fr-FR" smtClean="0"/>
+              <a:rPr lang="fr-FR"/>
               <a:t>Cliquez pour modifier les styles du texte du masque</a:t>
             </a:r>
           </a:p>
@@ -2195,10 +2178,9 @@
           </a:lstStyle>
           <a:p>
             <a:r>
-              <a:rPr lang="fr-FR" smtClean="0"/>
+              <a:rPr lang="fr-FR"/>
               <a:t>Cliquez pour modifier le style du titre</a:t>
             </a:r>
-            <a:endParaRPr lang="fr-FR"/>
           </a:p>
         </p:txBody>
       </p:sp>
@@ -2260,7 +2242,7 @@
           </a:lstStyle>
           <a:p>
             <a:pPr lvl="0"/>
-            <a:endParaRPr lang="fr-FR" noProof="0" smtClean="0"/>
+            <a:endParaRPr lang="fr-FR" noProof="0"/>
           </a:p>
         </p:txBody>
       </p:sp>
@@ -2323,7 +2305,7 @@
           <a:p>
             <a:pPr lvl="0"/>
             <a:r>
-              <a:rPr lang="fr-FR" smtClean="0"/>
+              <a:rPr lang="fr-FR"/>
               <a:t>Cliquez pour modifier les styles du texte du masque</a:t>
             </a:r>
           </a:p>
@@ -2375,10 +2357,9 @@
           <a:lstStyle/>
           <a:p>
             <a:r>
-              <a:rPr lang="fr-FR" smtClean="0"/>
+              <a:rPr lang="fr-FR"/>
               <a:t>Cliquez pour modifier le style du titre</a:t>
             </a:r>
-            <a:endParaRPr lang="fr-FR"/>
           </a:p>
         </p:txBody>
       </p:sp>
@@ -2399,38 +2380,37 @@
           <a:p>
             <a:pPr lvl="0"/>
             <a:r>
-              <a:rPr lang="fr-FR" smtClean="0"/>
+              <a:rPr lang="fr-FR"/>
               <a:t>Cliquez pour modifier les styles du texte du masque</a:t>
             </a:r>
           </a:p>
           <a:p>
             <a:pPr lvl="1"/>
             <a:r>
-              <a:rPr lang="fr-FR" smtClean="0"/>
+              <a:rPr lang="fr-FR"/>
               <a:t>Deuxième niveau</a:t>
             </a:r>
           </a:p>
           <a:p>
             <a:pPr lvl="2"/>
             <a:r>
-              <a:rPr lang="fr-FR" smtClean="0"/>
+              <a:rPr lang="fr-FR"/>
               <a:t>Troisième niveau</a:t>
             </a:r>
           </a:p>
           <a:p>
             <a:pPr lvl="3"/>
             <a:r>
-              <a:rPr lang="fr-FR" smtClean="0"/>
+              <a:rPr lang="fr-FR"/>
               <a:t>Quatrième niveau</a:t>
             </a:r>
           </a:p>
           <a:p>
             <a:pPr lvl="4"/>
             <a:r>
-              <a:rPr lang="fr-FR" smtClean="0"/>
+              <a:rPr lang="fr-FR"/>
               <a:t>Cinquième niveau</a:t>
             </a:r>
-            <a:endParaRPr lang="fr-FR"/>
           </a:p>
         </p:txBody>
       </p:sp>
@@ -2611,7 +2591,7 @@
             <a:pPr eaLnBrk="1" hangingPunct="1">
               <a:defRPr/>
             </a:pPr>
-            <a:endParaRPr lang="fr-FR" altLang="fr-FR" smtClean="0"/>
+            <a:endParaRPr lang="fr-FR" altLang="fr-FR"/>
           </a:p>
         </p:txBody>
       </p:sp>
@@ -2765,7 +2745,7 @@
               <a:defRPr/>
             </a:pPr>
             <a:r>
-              <a:rPr lang="fr-FR" sz="1200" dirty="0" smtClean="0"/>
+              <a:rPr lang="fr-FR" sz="1200" dirty="0"/>
               <a:t>Page </a:t>
             </a:r>
             <a:fld id="{E218E9B1-FD08-4C80-902E-210BA2967D0D}" type="slidenum">
@@ -2778,7 +2758,7 @@
               </a:pPr>
               <a:t>‹N°›</a:t>
             </a:fld>
-            <a:endParaRPr lang="fr-FR" dirty="0" smtClean="0">
+            <a:endParaRPr lang="fr-FR" dirty="0">
               <a:latin typeface="Times New Roman" pitchFamily="18" charset="0"/>
             </a:endParaRPr>
           </a:p>
@@ -2934,10 +2914,10 @@
               <a:defRPr/>
             </a:pPr>
             <a:r>
-              <a:rPr lang="fr-FR" sz="1600" dirty="0" smtClean="0"/>
+              <a:rPr lang="fr-FR" sz="1600" dirty="0"/>
               <a:t>Python</a:t>
             </a:r>
-            <a:endParaRPr lang="fr-FR" dirty="0" smtClean="0">
+            <a:endParaRPr lang="fr-FR" dirty="0">
               <a:latin typeface="Times New Roman" pitchFamily="18" charset="0"/>
             </a:endParaRPr>
           </a:p>
@@ -2995,7 +2975,7 @@
           <a:p>
             <a:pPr lvl="0"/>
             <a:r>
-              <a:rPr lang="fr-FR" altLang="fr-FR" smtClean="0"/>
+              <a:rPr lang="fr-FR" altLang="fr-FR"/>
               <a:t>Cliquez pour modifier le style du titre du masque</a:t>
             </a:r>
           </a:p>
@@ -3053,35 +3033,35 @@
           <a:p>
             <a:pPr lvl="0"/>
             <a:r>
-              <a:rPr lang="fr-FR" altLang="fr-FR" smtClean="0"/>
+              <a:rPr lang="fr-FR" altLang="fr-FR"/>
               <a:t>Cliquez pour modifier les styles du texte du masque</a:t>
             </a:r>
           </a:p>
           <a:p>
             <a:pPr lvl="1"/>
             <a:r>
-              <a:rPr lang="fr-FR" altLang="fr-FR" smtClean="0"/>
+              <a:rPr lang="fr-FR" altLang="fr-FR"/>
               <a:t>Deuxième niveau</a:t>
             </a:r>
           </a:p>
           <a:p>
             <a:pPr lvl="2"/>
             <a:r>
-              <a:rPr lang="fr-FR" altLang="fr-FR" smtClean="0"/>
+              <a:rPr lang="fr-FR" altLang="fr-FR"/>
               <a:t>Troisième niveau</a:t>
             </a:r>
           </a:p>
           <a:p>
             <a:pPr lvl="3"/>
             <a:r>
-              <a:rPr lang="fr-FR" altLang="fr-FR" smtClean="0"/>
+              <a:rPr lang="fr-FR" altLang="fr-FR"/>
               <a:t>Quatrième niveau</a:t>
             </a:r>
           </a:p>
           <a:p>
             <a:pPr lvl="4"/>
             <a:r>
-              <a:rPr lang="fr-FR" altLang="fr-FR" smtClean="0"/>
+              <a:rPr lang="fr-FR" altLang="fr-FR"/>
               <a:t>Cinquième niveau</a:t>
             </a:r>
           </a:p>
@@ -3237,10 +3217,10 @@
               <a:defRPr/>
             </a:pPr>
             <a:r>
-              <a:rPr lang="fr-FR" sz="1200" smtClean="0"/>
+              <a:rPr lang="fr-FR" sz="1200"/>
               <a:t>© Cyril Vincent Conseil</a:t>
             </a:r>
-            <a:endParaRPr lang="fr-FR" smtClean="0">
+            <a:endParaRPr lang="fr-FR">
               <a:latin typeface="Times New Roman" pitchFamily="18" charset="0"/>
             </a:endParaRPr>
           </a:p>
@@ -3722,18 +3702,17 @@
           <a:p>
             <a:pPr eaLnBrk="1" hangingPunct="1"/>
             <a:r>
-              <a:rPr lang="fr-FR" altLang="fr-FR" dirty="0" smtClean="0"/>
+              <a:rPr lang="fr-FR" altLang="fr-FR" dirty="0"/>
               <a:t>Chapitre 7</a:t>
             </a:r>
-            <a:endParaRPr lang="fr-FR" altLang="fr-FR" dirty="0" smtClean="0"/>
           </a:p>
           <a:p>
             <a:pPr eaLnBrk="1" hangingPunct="1"/>
             <a:r>
-              <a:rPr lang="fr-FR" altLang="fr-FR" dirty="0" err="1" smtClean="0"/>
+              <a:rPr lang="fr-FR" altLang="fr-FR" dirty="0" err="1"/>
               <a:t>IoT</a:t>
             </a:r>
-            <a:endParaRPr lang="fr-FR" altLang="fr-FR" dirty="0" smtClean="0"/>
+            <a:endParaRPr lang="fr-FR" altLang="fr-FR" dirty="0"/>
           </a:p>
         </p:txBody>
       </p:sp>
@@ -3807,13 +3786,6 @@
   <p:clrMapOvr>
     <a:masterClrMapping/>
   </p:clrMapOvr>
-  <p:timing>
-    <p:tnLst>
-      <p:par>
-        <p:cTn id="1" dur="indefinite" restart="never" nodeType="tmRoot"/>
-      </p:par>
-    </p:tnLst>
-  </p:timing>
 </p:sld>
 </file>
 
@@ -3850,10 +3822,9 @@
           <a:lstStyle/>
           <a:p>
             <a:r>
-              <a:rPr lang="fr-FR" dirty="0" smtClean="0"/>
+              <a:rPr lang="fr-FR" dirty="0"/>
               <a:t>Les variables</a:t>
             </a:r>
-            <a:endParaRPr lang="fr-FR" dirty="0"/>
           </a:p>
         </p:txBody>
       </p:sp>
@@ -3887,29 +3858,16 @@
           </a:p>
           <a:p>
             <a:r>
-              <a:rPr lang="fr-FR" dirty="0" smtClean="0"/>
-              <a:t>Une </a:t>
-            </a:r>
-            <a:r>
               <a:rPr lang="fr-FR" dirty="0"/>
-              <a:t>variable doit respecter quelques règles de syntaxe incontournables :</a:t>
+              <a:t>Une variable doit respecter quelques règles de syntaxe incontournables :</a:t>
             </a:r>
           </a:p>
           <a:p>
             <a:pPr lvl="1"/>
             <a:r>
-              <a:rPr lang="fr-FR" dirty="0" smtClean="0"/>
-              <a:t>Le </a:t>
-            </a:r>
-            <a:r>
               <a:rPr lang="fr-FR" dirty="0"/>
-              <a:t>nom de la variable ne peut être composé que de lettres, majuscules ou minuscules, de chiffres et du symbole souligné « _ </a:t>
-            </a:r>
-            <a:r>
-              <a:rPr lang="fr-FR" dirty="0" smtClean="0"/>
-              <a:t>»</a:t>
-            </a:r>
-            <a:endParaRPr lang="fr-FR" dirty="0"/>
+              <a:t>Le nom de la variable ne peut être composé que de lettres, majuscules ou minuscules, de chiffres et du symbole souligné « _ »</a:t>
+            </a:r>
           </a:p>
           <a:p>
             <a:pPr lvl="1"/>
@@ -3922,13 +3880,8 @@
             <a:pPr lvl="1"/>
             <a:r>
               <a:rPr lang="fr-FR" dirty="0"/>
-              <a:t>Le langage Python est sensible à la casse, ce qui signifie que des lettres majuscules et minuscules ne constituent pas la même </a:t>
-            </a:r>
-            <a:r>
-              <a:rPr lang="fr-FR" dirty="0" smtClean="0"/>
-              <a:t>variable</a:t>
-            </a:r>
-            <a:endParaRPr lang="fr-FR" dirty="0"/>
+              <a:t>Le langage Python est sensible à la casse, ce qui signifie que des lettres majuscules et minuscules ne constituent pas la même variable</a:t>
+            </a:r>
           </a:p>
         </p:txBody>
       </p:sp>
@@ -3942,13 +3895,6 @@
   <p:clrMapOvr>
     <a:masterClrMapping/>
   </p:clrMapOvr>
-  <p:timing>
-    <p:tnLst>
-      <p:par>
-        <p:cTn id="1" dur="indefinite" restart="never" nodeType="tmRoot"/>
-      </p:par>
-    </p:tnLst>
-  </p:timing>
 </p:sld>
 </file>
 
@@ -3985,10 +3931,9 @@
           <a:lstStyle/>
           <a:p>
             <a:r>
-              <a:rPr lang="fr-FR" dirty="0" smtClean="0"/>
+              <a:rPr lang="fr-FR" dirty="0"/>
               <a:t>Les premières fonctions</a:t>
             </a:r>
-            <a:endParaRPr lang="fr-FR" dirty="0"/>
           </a:p>
         </p:txBody>
       </p:sp>
@@ -4008,24 +3953,20 @@
           <a:lstStyle/>
           <a:p>
             <a:r>
-              <a:rPr lang="fr-FR" dirty="0" smtClean="0"/>
+              <a:rPr lang="fr-FR" dirty="0"/>
               <a:t>Une fonction contient un nom, des paramètres entre parenthèse et un retour</a:t>
             </a:r>
           </a:p>
           <a:p>
             <a:r>
               <a:rPr lang="fr-FR" dirty="0"/>
-              <a:t>t</a:t>
-            </a:r>
-            <a:r>
-              <a:rPr lang="fr-FR" dirty="0" smtClean="0"/>
-              <a:t>ype()</a:t>
+              <a:t>type()</a:t>
             </a:r>
           </a:p>
           <a:p>
             <a:pPr lvl="1"/>
             <a:r>
-              <a:rPr lang="fr-FR" dirty="0" smtClean="0"/>
+              <a:rPr lang="fr-FR" dirty="0"/>
               <a:t>Renvoie le type de la variable</a:t>
             </a:r>
           </a:p>
@@ -4033,42 +3974,34 @@
             <a:pPr lvl="1"/>
             <a:r>
               <a:rPr lang="fr-FR" dirty="0"/>
-              <a:t>t</a:t>
-            </a:r>
-            <a:r>
-              <a:rPr lang="fr-FR" dirty="0" smtClean="0"/>
-              <a:t>ype(3.14)</a:t>
+              <a:t>type(3.14)</a:t>
             </a:r>
           </a:p>
           <a:p>
             <a:r>
               <a:rPr lang="fr-FR" dirty="0" err="1"/>
-              <a:t>p</a:t>
-            </a:r>
-            <a:r>
-              <a:rPr lang="fr-FR" dirty="0" err="1" smtClean="0"/>
-              <a:t>rint</a:t>
-            </a:r>
-            <a:r>
-              <a:rPr lang="fr-FR" dirty="0" smtClean="0"/>
+              <a:t>print</a:t>
+            </a:r>
+            <a:r>
+              <a:rPr lang="fr-FR" dirty="0"/>
               <a:t>()</a:t>
             </a:r>
           </a:p>
           <a:p>
             <a:pPr lvl="1"/>
             <a:r>
-              <a:rPr lang="fr-FR" dirty="0" smtClean="0"/>
+              <a:rPr lang="fr-FR" dirty="0"/>
               <a:t>Affiche une variable</a:t>
             </a:r>
           </a:p>
           <a:p>
             <a:pPr lvl="1"/>
             <a:r>
-              <a:rPr lang="fr-FR" dirty="0" err="1" smtClean="0"/>
+              <a:rPr lang="fr-FR" dirty="0" err="1"/>
               <a:t>print</a:t>
             </a:r>
             <a:r>
-              <a:rPr lang="fr-FR" dirty="0" smtClean="0"/>
+              <a:rPr lang="fr-FR" dirty="0"/>
               <a:t>(a)</a:t>
             </a:r>
           </a:p>
@@ -4084,13 +4017,6 @@
   <p:clrMapOvr>
     <a:masterClrMapping/>
   </p:clrMapOvr>
-  <p:timing>
-    <p:tnLst>
-      <p:par>
-        <p:cTn id="1" dur="indefinite" restart="never" nodeType="tmRoot"/>
-      </p:par>
-    </p:tnLst>
-  </p:timing>
 </p:sld>
 </file>
 
@@ -4127,10 +4053,9 @@
           <a:lstStyle/>
           <a:p>
             <a:r>
-              <a:rPr lang="fr-FR" dirty="0" smtClean="0"/>
+              <a:rPr lang="fr-FR" dirty="0"/>
               <a:t>Les premières fonctions</a:t>
             </a:r>
-            <a:endParaRPr lang="fr-FR" dirty="0"/>
           </a:p>
         </p:txBody>
       </p:sp>
@@ -4150,24 +4075,24 @@
           <a:lstStyle/>
           <a:p>
             <a:r>
-              <a:rPr lang="fr-FR" dirty="0" smtClean="0"/>
+              <a:rPr lang="fr-FR" dirty="0"/>
               <a:t>Une fonction contient un nom, des paramètres entre parenthèse et un retour</a:t>
             </a:r>
           </a:p>
           <a:p>
             <a:r>
-              <a:rPr lang="fr-FR" dirty="0" err="1" smtClean="0"/>
+              <a:rPr lang="fr-FR" dirty="0" err="1"/>
               <a:t>len</a:t>
             </a:r>
             <a:r>
-              <a:rPr lang="fr-FR" dirty="0" smtClean="0"/>
+              <a:rPr lang="fr-FR" dirty="0"/>
               <a:t>()</a:t>
             </a:r>
           </a:p>
           <a:p>
             <a:pPr lvl="1"/>
             <a:r>
-              <a:rPr lang="fr-FR" dirty="0" smtClean="0"/>
+              <a:rPr lang="fr-FR" dirty="0"/>
               <a:t>Renvoie la taille d’une string</a:t>
             </a:r>
           </a:p>
@@ -4175,31 +4100,23 @@
             <a:pPr lvl="1"/>
             <a:r>
               <a:rPr lang="fr-FR" dirty="0" err="1"/>
-              <a:t>l</a:t>
-            </a:r>
-            <a:r>
-              <a:rPr lang="fr-FR" dirty="0" err="1" smtClean="0"/>
-              <a:t>en</a:t>
-            </a:r>
-            <a:r>
-              <a:rPr lang="fr-FR" dirty="0" smtClean="0"/>
+              <a:t>len</a:t>
+            </a:r>
+            <a:r>
+              <a:rPr lang="fr-FR" dirty="0"/>
               <a:t>(s)</a:t>
             </a:r>
           </a:p>
           <a:p>
             <a:r>
               <a:rPr lang="fr-FR" dirty="0"/>
-              <a:t>i</a:t>
-            </a:r>
-            <a:r>
-              <a:rPr lang="fr-FR" dirty="0" smtClean="0"/>
-              <a:t>nput()</a:t>
+              <a:t>input()</a:t>
             </a:r>
           </a:p>
           <a:p>
             <a:pPr lvl="1"/>
             <a:r>
-              <a:rPr lang="fr-FR" dirty="0" smtClean="0"/>
+              <a:rPr lang="fr-FR" dirty="0"/>
               <a:t>Permet la saisie d’une entrée</a:t>
             </a:r>
           </a:p>
@@ -4211,38 +4128,30 @@
             </a:r>
             <a:r>
               <a:rPr lang="fr-FR" dirty="0"/>
-              <a:t> = input("Entrez une année: </a:t>
-            </a:r>
-            <a:r>
-              <a:rPr lang="fr-FR" dirty="0" smtClean="0"/>
-              <a:t>")</a:t>
+              <a:t> = input("Entrez une année: ")</a:t>
             </a:r>
           </a:p>
           <a:p>
             <a:r>
               <a:rPr lang="fr-FR" dirty="0" err="1"/>
-              <a:t>i</a:t>
-            </a:r>
-            <a:r>
-              <a:rPr lang="fr-FR" dirty="0" err="1" smtClean="0"/>
-              <a:t>nt</a:t>
-            </a:r>
-            <a:r>
-              <a:rPr lang="fr-FR" dirty="0" smtClean="0"/>
+              <a:t>int</a:t>
+            </a:r>
+            <a:r>
+              <a:rPr lang="fr-FR" dirty="0"/>
               <a:t>()</a:t>
             </a:r>
           </a:p>
           <a:p>
             <a:pPr lvl="1"/>
             <a:r>
-              <a:rPr lang="fr-FR" dirty="0" smtClean="0"/>
+              <a:rPr lang="fr-FR" dirty="0"/>
               <a:t>Convertir un string en </a:t>
             </a:r>
             <a:r>
-              <a:rPr lang="fr-FR" dirty="0" err="1" smtClean="0"/>
+              <a:rPr lang="fr-FR" dirty="0" err="1"/>
               <a:t>int</a:t>
             </a:r>
-            <a:endParaRPr lang="fr-FR" dirty="0" smtClean="0"/>
+            <a:endParaRPr lang="fr-FR" dirty="0"/>
           </a:p>
           <a:p>
             <a:pPr lvl="1"/>
@@ -4260,13 +4169,6 @@
   <p:clrMapOvr>
     <a:masterClrMapping/>
   </p:clrMapOvr>
-  <p:timing>
-    <p:tnLst>
-      <p:par>
-        <p:cTn id="1" dur="indefinite" restart="never" nodeType="tmRoot"/>
-      </p:par>
-    </p:tnLst>
-  </p:timing>
 </p:sld>
 </file>
 
@@ -4303,10 +4205,9 @@
           <a:lstStyle/>
           <a:p>
             <a:r>
-              <a:rPr lang="fr-FR" dirty="0" smtClean="0"/>
+              <a:rPr lang="fr-FR" dirty="0"/>
               <a:t>Les fonctions des chaînes</a:t>
             </a:r>
-            <a:endParaRPr lang="fr-FR" dirty="0"/>
           </a:p>
         </p:txBody>
       </p:sp>
@@ -4326,45 +4227,41 @@
           <a:lstStyle/>
           <a:p>
             <a:r>
-              <a:rPr lang="fr-FR" dirty="0" smtClean="0"/>
+              <a:rPr lang="fr-FR" dirty="0"/>
               <a:t>Les strings sont en objet</a:t>
             </a:r>
           </a:p>
           <a:p>
             <a:r>
               <a:rPr lang="fr-FR" dirty="0" err="1"/>
-              <a:t>l</a:t>
-            </a:r>
-            <a:r>
-              <a:rPr lang="fr-FR" dirty="0" err="1" smtClean="0"/>
-              <a:t>ower</a:t>
-            </a:r>
-            <a:r>
-              <a:rPr lang="fr-FR" dirty="0" smtClean="0"/>
+              <a:t>lower</a:t>
+            </a:r>
+            <a:r>
+              <a:rPr lang="fr-FR" dirty="0"/>
               <a:t>(), </a:t>
             </a:r>
             <a:r>
-              <a:rPr lang="fr-FR" dirty="0" err="1" smtClean="0"/>
+              <a:rPr lang="fr-FR" dirty="0" err="1"/>
               <a:t>upper</a:t>
             </a:r>
             <a:r>
-              <a:rPr lang="fr-FR" dirty="0" smtClean="0"/>
+              <a:rPr lang="fr-FR" dirty="0"/>
               <a:t>(), </a:t>
             </a:r>
             <a:r>
-              <a:rPr lang="fr-FR" dirty="0" err="1" smtClean="0"/>
+              <a:rPr lang="fr-FR" dirty="0" err="1"/>
               <a:t>capitalize</a:t>
             </a:r>
             <a:r>
-              <a:rPr lang="fr-FR" dirty="0" smtClean="0"/>
+              <a:rPr lang="fr-FR" dirty="0"/>
               <a:t>(), </a:t>
             </a:r>
             <a:r>
-              <a:rPr lang="fr-FR" dirty="0" err="1" smtClean="0"/>
+              <a:rPr lang="fr-FR" dirty="0" err="1"/>
               <a:t>strip</a:t>
             </a:r>
             <a:r>
-              <a:rPr lang="fr-FR" dirty="0" smtClean="0"/>
+              <a:rPr lang="fr-FR" dirty="0"/>
               <a:t>()</a:t>
             </a:r>
           </a:p>
@@ -4432,13 +4329,6 @@
   <p:clrMapOvr>
     <a:masterClrMapping/>
   </p:clrMapOvr>
-  <p:timing>
-    <p:tnLst>
-      <p:par>
-        <p:cTn id="1" dur="indefinite" restart="never" nodeType="tmRoot"/>
-      </p:par>
-    </p:tnLst>
-  </p:timing>
 </p:sld>
 </file>
 
@@ -4475,10 +4365,9 @@
           <a:lstStyle/>
           <a:p>
             <a:r>
-              <a:rPr lang="fr-FR" dirty="0" smtClean="0"/>
+              <a:rPr lang="fr-FR" dirty="0"/>
               <a:t>Affichage de chaînes</a:t>
             </a:r>
-            <a:endParaRPr lang="fr-FR" dirty="0"/>
           </a:p>
         </p:txBody>
       </p:sp>
@@ -4498,18 +4387,18 @@
           <a:lstStyle/>
           <a:p>
             <a:r>
-              <a:rPr lang="fr-FR" dirty="0" err="1" smtClean="0"/>
+              <a:rPr lang="fr-FR" dirty="0" err="1"/>
               <a:t>Print</a:t>
             </a:r>
             <a:r>
-              <a:rPr lang="fr-FR" dirty="0" smtClean="0"/>
+              <a:rPr lang="fr-FR" dirty="0"/>
               <a:t> permet d’afficher une chaîne avec paramètre de format {}</a:t>
             </a:r>
           </a:p>
           <a:p>
             <a:pPr lvl="1"/>
             <a:r>
-              <a:rPr lang="fr-FR" dirty="0" smtClean="0"/>
+              <a:rPr lang="fr-FR" dirty="0"/>
               <a:t>Identique au C</a:t>
             </a:r>
           </a:p>
@@ -4519,7 +4408,7 @@
           </a:p>
           <a:p>
             <a:pPr lvl="1"/>
-            <a:endParaRPr lang="fr-FR" dirty="0" smtClean="0"/>
+            <a:endParaRPr lang="fr-FR" dirty="0"/>
           </a:p>
           <a:p>
             <a:pPr lvl="1"/>
@@ -4528,7 +4417,7 @@
           <a:p>
             <a:pPr lvl="1"/>
             <a:r>
-              <a:rPr lang="fr-FR" dirty="0" smtClean="0"/>
+              <a:rPr lang="fr-FR" dirty="0"/>
               <a:t>Opérateur de concaténation : +</a:t>
             </a:r>
           </a:p>
@@ -4538,18 +4427,18 @@
           </a:p>
           <a:p>
             <a:pPr lvl="1"/>
-            <a:endParaRPr lang="fr-FR" dirty="0" smtClean="0"/>
+            <a:endParaRPr lang="fr-FR" dirty="0"/>
           </a:p>
           <a:p>
             <a:pPr lvl="1"/>
             <a:r>
-              <a:rPr lang="fr-FR" dirty="0" smtClean="0"/>
+              <a:rPr lang="fr-FR" dirty="0"/>
               <a:t>Transtypage obligatoire si concaténation de nombre</a:t>
             </a:r>
           </a:p>
           <a:p>
             <a:pPr lvl="1"/>
-            <a:endParaRPr lang="fr-FR" dirty="0" smtClean="0"/>
+            <a:endParaRPr lang="fr-FR" dirty="0"/>
           </a:p>
           <a:p>
             <a:pPr lvl="1"/>
@@ -4639,13 +4528,6 @@
   <p:clrMapOvr>
     <a:masterClrMapping/>
   </p:clrMapOvr>
-  <p:timing>
-    <p:tnLst>
-      <p:par>
-        <p:cTn id="1" dur="indefinite" restart="never" nodeType="tmRoot"/>
-      </p:par>
-    </p:tnLst>
-  </p:timing>
 </p:sld>
 </file>
 
@@ -4682,7 +4564,7 @@
           <a:lstStyle/>
           <a:p>
             <a:r>
-              <a:rPr lang="fr-FR" dirty="0" err="1" smtClean="0"/>
+              <a:rPr lang="fr-FR" dirty="0" err="1"/>
               <a:t>fstrings</a:t>
             </a:r>
             <a:endParaRPr lang="fr-FR" dirty="0"/>
@@ -4705,14 +4587,14 @@
           <a:lstStyle/>
           <a:p>
             <a:r>
-              <a:rPr lang="fr-FR" dirty="0" smtClean="0"/>
+              <a:rPr lang="fr-FR" dirty="0"/>
               <a:t>Nouveau en Python 3.6</a:t>
             </a:r>
           </a:p>
           <a:p>
             <a:pPr lvl="1"/>
             <a:r>
-              <a:rPr lang="fr-FR" dirty="0" smtClean="0"/>
+              <a:rPr lang="fr-FR" dirty="0"/>
               <a:t>Chaine formatée à partir de variables existantes</a:t>
             </a:r>
           </a:p>
@@ -4726,16 +4608,12 @@
           <a:p>
             <a:pPr lvl="1"/>
             <a:r>
-              <a:rPr lang="en-US" dirty="0" err="1" smtClean="0"/>
+              <a:rPr lang="en-US" dirty="0" err="1"/>
               <a:t>f"He</a:t>
             </a:r>
             <a:r>
-              <a:rPr lang="en-US" dirty="0" smtClean="0"/>
-              <a:t> </a:t>
-            </a:r>
-            <a:r>
               <a:rPr lang="en-US" dirty="0"/>
-              <a:t>said his name is {name}."</a:t>
+              <a:t> said his name is {name}."</a:t>
             </a:r>
             <a:endParaRPr lang="fr-FR" dirty="0"/>
           </a:p>
@@ -4751,13 +4629,6 @@
   <p:clrMapOvr>
     <a:masterClrMapping/>
   </p:clrMapOvr>
-  <p:timing>
-    <p:tnLst>
-      <p:par>
-        <p:cTn id="1" dur="indefinite" restart="never" nodeType="tmRoot"/>
-      </p:par>
-    </p:tnLst>
-  </p:timing>
 </p:sld>
 </file>
 
@@ -4799,10 +4670,9 @@
           <a:lstStyle/>
           <a:p>
             <a:r>
-              <a:rPr lang="fr-FR" dirty="0" smtClean="0"/>
+              <a:rPr lang="fr-FR" dirty="0"/>
               <a:t>Conditions</a:t>
             </a:r>
-            <a:endParaRPr lang="fr-FR" dirty="0"/>
           </a:p>
         </p:txBody>
       </p:sp>
@@ -4900,10 +4770,9 @@
           <a:lstStyle/>
           <a:p>
             <a:r>
-              <a:rPr lang="fr-FR" dirty="0" smtClean="0"/>
+              <a:rPr lang="fr-FR" dirty="0"/>
               <a:t>Blocs</a:t>
             </a:r>
-            <a:endParaRPr lang="fr-FR" dirty="0"/>
           </a:p>
         </p:txBody>
       </p:sp>
@@ -4923,37 +4792,36 @@
           <a:lstStyle/>
           <a:p>
             <a:r>
-              <a:rPr lang="fr-FR" dirty="0" smtClean="0"/>
+              <a:rPr lang="fr-FR" dirty="0"/>
               <a:t>Un bloc de code est une morceau de code</a:t>
             </a:r>
           </a:p>
           <a:p>
             <a:pPr lvl="1"/>
             <a:r>
-              <a:rPr lang="fr-FR" dirty="0" smtClean="0"/>
+              <a:rPr lang="fr-FR" dirty="0"/>
               <a:t>Utilise pour la visibilité des variables</a:t>
             </a:r>
           </a:p>
           <a:p>
             <a:pPr lvl="1"/>
             <a:r>
-              <a:rPr lang="fr-FR" dirty="0" smtClean="0"/>
+              <a:rPr lang="fr-FR" dirty="0"/>
               <a:t>{} en C</a:t>
             </a:r>
           </a:p>
           <a:p>
             <a:r>
-              <a:rPr lang="fr-FR" dirty="0" smtClean="0"/>
+              <a:rPr lang="fr-FR" dirty="0"/>
               <a:t>Python utilise les indentations pour définir un bloc</a:t>
             </a:r>
           </a:p>
           <a:p>
             <a:pPr lvl="1"/>
             <a:r>
-              <a:rPr lang="fr-FR" dirty="0" smtClean="0"/>
+              <a:rPr lang="fr-FR" dirty="0"/>
               <a:t>Une indentation ou 4 espaces = 1 bloc</a:t>
             </a:r>
-            <a:endParaRPr lang="fr-FR" dirty="0"/>
           </a:p>
         </p:txBody>
       </p:sp>
@@ -5027,10 +4895,9 @@
           <a:lstStyle/>
           <a:p>
             <a:r>
-              <a:rPr lang="fr-FR" dirty="0" smtClean="0"/>
+              <a:rPr lang="fr-FR" dirty="0"/>
               <a:t>Blocs</a:t>
             </a:r>
-            <a:endParaRPr lang="fr-FR" dirty="0"/>
           </a:p>
         </p:txBody>
       </p:sp>
@@ -5104,10 +4971,9 @@
           <a:lstStyle/>
           <a:p>
             <a:r>
-              <a:rPr lang="fr-FR" dirty="0" smtClean="0"/>
+              <a:rPr lang="fr-FR" dirty="0"/>
               <a:t>Scope et indentation</a:t>
             </a:r>
-            <a:endParaRPr lang="fr-FR" dirty="0"/>
           </a:p>
         </p:txBody>
       </p:sp>
@@ -5129,75 +4995,58 @@
             <a:pPr eaLnBrk="1" hangingPunct="1"/>
             <a:r>
               <a:rPr lang="fr-BE" altLang="fr-FR" dirty="0"/>
-              <a:t>Il </a:t>
-            </a:r>
-            <a:r>
-              <a:rPr lang="fr-BE" altLang="fr-FR" dirty="0" smtClean="0"/>
-              <a:t>faut veiller </a:t>
-            </a:r>
+              <a:t>Il faut veiller à l’indentation car en python, il n’y pas de délimiteur pour définir les scopes</a:t>
+            </a:r>
+          </a:p>
+          <a:p>
+            <a:pPr eaLnBrk="1" hangingPunct="1"/>
             <a:r>
               <a:rPr lang="fr-BE" altLang="fr-FR" dirty="0"/>
-              <a:t>à l’indentation car en python, il n’y pas de délimiteur pour définir les </a:t>
-            </a:r>
-            <a:r>
-              <a:rPr lang="fr-BE" altLang="fr-FR" dirty="0" smtClean="0"/>
-              <a:t>scopes</a:t>
+              <a:t>Une variable est visible (scope) dans sa fonction ou dans son module</a:t>
             </a:r>
           </a:p>
           <a:p>
             <a:pPr eaLnBrk="1" hangingPunct="1"/>
             <a:r>
-              <a:rPr lang="fr-BE" altLang="fr-FR" dirty="0" smtClean="0"/>
-              <a:t>Une variable est visible (scope) dans sa fonction ou dans son module</a:t>
+              <a:rPr lang="fr-BE" altLang="fr-FR" dirty="0"/>
+              <a:t>Concis</a:t>
             </a:r>
           </a:p>
           <a:p>
             <a:pPr eaLnBrk="1" hangingPunct="1"/>
             <a:r>
-              <a:rPr lang="fr-BE" altLang="fr-FR" dirty="0" smtClean="0"/>
-              <a:t>Concis</a:t>
+              <a:rPr lang="fr-BE" altLang="fr-FR" dirty="0"/>
+              <a:t>Nécessite d’être très propre</a:t>
+            </a:r>
+          </a:p>
+          <a:p>
+            <a:pPr lvl="1" eaLnBrk="1" hangingPunct="1"/>
+            <a:r>
+              <a:rPr lang="fr-BE" altLang="fr-FR" dirty="0"/>
+              <a:t>Différents des langages de type C</a:t>
             </a:r>
           </a:p>
           <a:p>
             <a:pPr eaLnBrk="1" hangingPunct="1"/>
             <a:r>
-              <a:rPr lang="fr-BE" altLang="fr-FR" dirty="0" smtClean="0"/>
-              <a:t>Nécessite d’être très propre</a:t>
+              <a:rPr lang="fr-BE" altLang="fr-FR" dirty="0"/>
+              <a:t>Un bloc doit posséder du code</a:t>
             </a:r>
           </a:p>
           <a:p>
             <a:pPr lvl="1" eaLnBrk="1" hangingPunct="1"/>
             <a:r>
-              <a:rPr lang="fr-BE" altLang="fr-FR" dirty="0" smtClean="0"/>
-              <a:t>Différents des langages de type C</a:t>
-            </a:r>
-          </a:p>
-          <a:p>
-            <a:pPr eaLnBrk="1" hangingPunct="1"/>
-            <a:r>
-              <a:rPr lang="fr-BE" altLang="fr-FR" dirty="0" smtClean="0"/>
-              <a:t>Un bloc doit posséder du code</a:t>
-            </a:r>
-          </a:p>
-          <a:p>
-            <a:pPr lvl="1" eaLnBrk="1" hangingPunct="1"/>
-            <a:r>
               <a:rPr lang="fr-BE" altLang="fr-FR" dirty="0"/>
-              <a:t>C</a:t>
-            </a:r>
-            <a:r>
-              <a:rPr lang="fr-BE" altLang="fr-FR" dirty="0" smtClean="0"/>
-              <a:t>ommande </a:t>
-            </a:r>
-            <a:r>
-              <a:rPr lang="fr-BE" altLang="fr-FR" dirty="0" err="1" smtClean="0"/>
+              <a:t>Commande </a:t>
+            </a:r>
+            <a:r>
+              <a:rPr lang="fr-BE" altLang="fr-FR" dirty="0" err="1"/>
               <a:t>pass</a:t>
             </a:r>
             <a:r>
-              <a:rPr lang="fr-BE" altLang="fr-FR" dirty="0" smtClean="0"/>
+              <a:rPr lang="fr-BE" altLang="fr-FR" dirty="0"/>
               <a:t> qui ne fait rien !</a:t>
             </a:r>
-            <a:endParaRPr lang="fr-BE" altLang="fr-FR" dirty="0"/>
           </a:p>
         </p:txBody>
       </p:sp>
@@ -5252,7 +5101,7 @@
           <a:lstStyle/>
           <a:p>
             <a:r>
-              <a:rPr lang="fr-FR" altLang="fr-FR" dirty="0" smtClean="0"/>
+              <a:rPr lang="fr-FR" altLang="fr-FR" dirty="0"/>
               <a:t>Python</a:t>
             </a:r>
           </a:p>
@@ -5280,25 +5129,13 @@
           <a:p>
             <a:r>
               <a:rPr lang="fr-FR" altLang="fr-FR" dirty="0"/>
-              <a:t>Python est un langage de programmation </a:t>
-            </a:r>
-            <a:r>
-              <a:rPr lang="fr-FR" altLang="fr-FR" dirty="0" smtClean="0"/>
-              <a:t>objet et multiplateformes</a:t>
-            </a:r>
-          </a:p>
-          <a:p>
-            <a:r>
-              <a:rPr lang="fr-FR" altLang="fr-FR" dirty="0" smtClean="0"/>
-              <a:t>Python </a:t>
-            </a:r>
+              <a:t>Python est un langage de programmation objet et multiplateformes</a:t>
+            </a:r>
+          </a:p>
+          <a:p>
             <a:r>
               <a:rPr lang="fr-FR" altLang="fr-FR" dirty="0"/>
-              <a:t>est </a:t>
-            </a:r>
-            <a:r>
-              <a:rPr lang="fr-FR" altLang="fr-FR" dirty="0" smtClean="0"/>
-              <a:t>libre</a:t>
+              <a:t>Python est libre</a:t>
             </a:r>
           </a:p>
           <a:p>
@@ -5307,21 +5144,21 @@
               <a:t>Créé par Guido van </a:t>
             </a:r>
             <a:r>
-              <a:rPr lang="fr-FR" altLang="fr-FR" dirty="0" err="1" smtClean="0"/>
+              <a:rPr lang="fr-FR" altLang="fr-FR" dirty="0" err="1"/>
               <a:t>Rossum</a:t>
             </a:r>
-            <a:endParaRPr lang="fr-FR" altLang="fr-FR" dirty="0" smtClean="0"/>
+            <a:endParaRPr lang="fr-FR" altLang="fr-FR" dirty="0"/>
           </a:p>
           <a:p>
             <a:pPr lvl="1"/>
             <a:r>
-              <a:rPr lang="fr-FR" altLang="fr-FR" dirty="0" smtClean="0"/>
+              <a:rPr lang="fr-FR" altLang="fr-FR" dirty="0"/>
               <a:t>Hommage aux Monty Python</a:t>
             </a:r>
           </a:p>
           <a:p>
             <a:r>
-              <a:rPr lang="fr-FR" altLang="fr-FR" dirty="0" smtClean="0"/>
+              <a:rPr lang="fr-FR" altLang="fr-FR" dirty="0"/>
               <a:t>Python 3</a:t>
             </a:r>
           </a:p>
@@ -5397,13 +5234,6 @@
   <p:clrMapOvr>
     <a:masterClrMapping/>
   </p:clrMapOvr>
-  <p:timing>
-    <p:tnLst>
-      <p:par>
-        <p:cTn id="1" dur="indefinite" restart="never" nodeType="tmRoot"/>
-      </p:par>
-    </p:tnLst>
-  </p:timing>
 </p:sld>
 </file>
 
@@ -5441,7 +5271,7 @@
           <a:p>
             <a:pPr eaLnBrk="1" hangingPunct="1"/>
             <a:r>
-              <a:rPr lang="en-US" altLang="fr-FR" smtClean="0"/>
+              <a:rPr lang="en-US" altLang="fr-FR"/>
               <a:t>Grouping Indentation</a:t>
             </a:r>
           </a:p>
@@ -5467,7 +5297,7 @@
               <a:buNone/>
             </a:pPr>
             <a:r>
-              <a:rPr lang="en-US" altLang="fr-FR" sz="2000" smtClean="0"/>
+              <a:rPr lang="en-US" altLang="fr-FR" sz="2000"/>
               <a:t>In Python:</a:t>
             </a:r>
           </a:p>
@@ -5476,7 +5306,7 @@
               <a:buFontTx/>
               <a:buNone/>
             </a:pPr>
-            <a:endParaRPr lang="en-US" altLang="fr-FR" sz="2000" smtClean="0"/>
+            <a:endParaRPr lang="en-US" altLang="fr-FR" sz="2000"/>
           </a:p>
           <a:p>
             <a:pPr eaLnBrk="1" hangingPunct="1">
@@ -5484,7 +5314,7 @@
               <a:buNone/>
             </a:pPr>
             <a:r>
-              <a:rPr lang="en-US" altLang="fr-FR" sz="2000" smtClean="0"/>
+              <a:rPr lang="en-US" altLang="fr-FR" sz="2000"/>
               <a:t>for i in range(20):</a:t>
             </a:r>
           </a:p>
@@ -5494,7 +5324,7 @@
               <a:buNone/>
             </a:pPr>
             <a:r>
-              <a:rPr lang="en-US" altLang="fr-FR" sz="2000" smtClean="0"/>
+              <a:rPr lang="en-US" altLang="fr-FR" sz="2000"/>
               <a:t>    if i%3 == 0:</a:t>
             </a:r>
           </a:p>
@@ -5504,7 +5334,7 @@
               <a:buNone/>
             </a:pPr>
             <a:r>
-              <a:rPr lang="en-US" altLang="fr-FR" sz="2000" smtClean="0"/>
+              <a:rPr lang="en-US" altLang="fr-FR" sz="2000"/>
               <a:t>        print i</a:t>
             </a:r>
           </a:p>
@@ -5514,7 +5344,7 @@
               <a:buNone/>
             </a:pPr>
             <a:r>
-              <a:rPr lang="en-US" altLang="fr-FR" sz="2000" smtClean="0"/>
+              <a:rPr lang="en-US" altLang="fr-FR" sz="2000"/>
               <a:t>        if i%5 == 0:</a:t>
             </a:r>
           </a:p>
@@ -5524,7 +5354,7 @@
               <a:buNone/>
             </a:pPr>
             <a:r>
-              <a:rPr lang="en-US" altLang="fr-FR" sz="2000" smtClean="0"/>
+              <a:rPr lang="en-US" altLang="fr-FR" sz="2000"/>
               <a:t>            print "Bingo!"</a:t>
             </a:r>
           </a:p>
@@ -5534,7 +5364,7 @@
               <a:buNone/>
             </a:pPr>
             <a:r>
-              <a:rPr lang="en-US" altLang="fr-FR" sz="2000" smtClean="0"/>
+              <a:rPr lang="en-US" altLang="fr-FR" sz="2000"/>
               <a:t>    print "---"</a:t>
             </a:r>
           </a:p>
@@ -5568,7 +5398,7 @@
               <a:buNone/>
             </a:pPr>
             <a:r>
-              <a:rPr lang="en-US" altLang="fr-FR" sz="2000" smtClean="0"/>
+              <a:rPr lang="en-US" altLang="fr-FR" sz="2000"/>
               <a:t>In C:</a:t>
             </a:r>
           </a:p>
@@ -5580,7 +5410,7 @@
               <a:buFontTx/>
               <a:buNone/>
             </a:pPr>
-            <a:endParaRPr lang="en-US" altLang="fr-FR" sz="2000" smtClean="0"/>
+            <a:endParaRPr lang="en-US" altLang="fr-FR" sz="2000"/>
           </a:p>
           <a:p>
             <a:pPr eaLnBrk="1" hangingPunct="1">
@@ -5591,7 +5421,7 @@
               <a:buNone/>
             </a:pPr>
             <a:r>
-              <a:rPr lang="en-US" altLang="fr-FR" sz="2000" smtClean="0"/>
+              <a:rPr lang="en-US" altLang="fr-FR" sz="2000"/>
               <a:t>for (i = 0; i &lt; 20; i++)</a:t>
             </a:r>
           </a:p>
@@ -5604,7 +5434,7 @@
               <a:buNone/>
             </a:pPr>
             <a:r>
-              <a:rPr lang="en-US" altLang="fr-FR" sz="2000" smtClean="0"/>
+              <a:rPr lang="en-US" altLang="fr-FR" sz="2000"/>
               <a:t>{</a:t>
             </a:r>
           </a:p>
@@ -5617,7 +5447,7 @@
               <a:buNone/>
             </a:pPr>
             <a:r>
-              <a:rPr lang="en-US" altLang="fr-FR" sz="2000" smtClean="0"/>
+              <a:rPr lang="en-US" altLang="fr-FR" sz="2000"/>
               <a:t>    if (i%3 == 0) {</a:t>
             </a:r>
           </a:p>
@@ -5630,7 +5460,7 @@
               <a:buNone/>
             </a:pPr>
             <a:r>
-              <a:rPr lang="en-US" altLang="fr-FR" sz="2000" smtClean="0"/>
+              <a:rPr lang="en-US" altLang="fr-FR" sz="2000"/>
               <a:t>        printf("%d\n", i);</a:t>
             </a:r>
           </a:p>
@@ -5643,7 +5473,7 @@
               <a:buNone/>
             </a:pPr>
             <a:r>
-              <a:rPr lang="en-US" altLang="fr-FR" sz="2000" smtClean="0"/>
+              <a:rPr lang="en-US" altLang="fr-FR" sz="2000"/>
               <a:t>        if (i%5 == 0) {</a:t>
             </a:r>
           </a:p>
@@ -5656,7 +5486,7 @@
               <a:buNone/>
             </a:pPr>
             <a:r>
-              <a:rPr lang="en-US" altLang="fr-FR" sz="2000" smtClean="0"/>
+              <a:rPr lang="en-US" altLang="fr-FR" sz="2000"/>
               <a:t>            printf("Bingo!\n"); }</a:t>
             </a:r>
           </a:p>
@@ -5669,7 +5499,7 @@
               <a:buNone/>
             </a:pPr>
             <a:r>
-              <a:rPr lang="en-US" altLang="fr-FR" sz="2000" smtClean="0"/>
+              <a:rPr lang="en-US" altLang="fr-FR" sz="2000"/>
               <a:t>      }</a:t>
             </a:r>
           </a:p>
@@ -5682,7 +5512,7 @@
               <a:buNone/>
             </a:pPr>
             <a:r>
-              <a:rPr lang="en-US" altLang="fr-FR" sz="2000" smtClean="0"/>
+              <a:rPr lang="en-US" altLang="fr-FR" sz="2000"/>
               <a:t>      printf("---\n");</a:t>
             </a:r>
           </a:p>
@@ -5695,7 +5525,7 @@
               <a:buNone/>
             </a:pPr>
             <a:r>
-              <a:rPr lang="en-US" altLang="fr-FR" sz="2000" smtClean="0"/>
+              <a:rPr lang="en-US" altLang="fr-FR" sz="2000"/>
               <a:t>}</a:t>
             </a:r>
           </a:p>
@@ -6099,10 +5929,9 @@
           <a:lstStyle/>
           <a:p>
             <a:r>
-              <a:rPr lang="fr-FR" dirty="0" smtClean="0"/>
+              <a:rPr lang="fr-FR" dirty="0"/>
               <a:t>Opérateurs</a:t>
             </a:r>
-            <a:endParaRPr lang="fr-FR" dirty="0"/>
           </a:p>
         </p:txBody>
       </p:sp>
@@ -6291,10 +6120,9 @@
           <a:lstStyle/>
           <a:p>
             <a:r>
-              <a:rPr lang="fr-FR" dirty="0" smtClean="0"/>
+              <a:rPr lang="fr-FR" dirty="0"/>
               <a:t>Booléens</a:t>
             </a:r>
-            <a:endParaRPr lang="fr-FR" dirty="0"/>
           </a:p>
         </p:txBody>
       </p:sp>
@@ -6314,29 +6142,29 @@
           <a:lstStyle/>
           <a:p>
             <a:r>
-              <a:rPr lang="fr-FR" dirty="0" smtClean="0"/>
+              <a:rPr lang="fr-FR" dirty="0"/>
               <a:t>Python 3 possède le type </a:t>
             </a:r>
             <a:r>
-              <a:rPr lang="fr-FR" dirty="0" err="1" smtClean="0"/>
+              <a:rPr lang="fr-FR" dirty="0" err="1"/>
               <a:t>bool</a:t>
             </a:r>
-            <a:endParaRPr lang="fr-FR" dirty="0" smtClean="0"/>
-          </a:p>
-          <a:p>
-            <a:r>
-              <a:rPr lang="fr-FR" dirty="0" err="1" smtClean="0"/>
+            <a:endParaRPr lang="fr-FR" dirty="0"/>
+          </a:p>
+          <a:p>
+            <a:r>
+              <a:rPr lang="fr-FR" dirty="0" err="1"/>
               <a:t>True</a:t>
             </a:r>
             <a:r>
-              <a:rPr lang="fr-FR" dirty="0" smtClean="0"/>
+              <a:rPr lang="fr-FR" dirty="0"/>
               <a:t> ou False</a:t>
             </a:r>
           </a:p>
           <a:p>
             <a:pPr lvl="1"/>
             <a:r>
-              <a:rPr lang="fr-FR" dirty="0" smtClean="0"/>
+              <a:rPr lang="fr-FR" dirty="0"/>
               <a:t>Attention à la casse</a:t>
             </a:r>
           </a:p>
@@ -6388,10 +6216,9 @@
           <a:lstStyle/>
           <a:p>
             <a:r>
-              <a:rPr lang="fr-FR" dirty="0" smtClean="0"/>
+              <a:rPr lang="fr-FR" dirty="0"/>
               <a:t>Boucle</a:t>
             </a:r>
-            <a:endParaRPr lang="fr-FR" dirty="0"/>
           </a:p>
         </p:txBody>
       </p:sp>
@@ -6415,15 +6242,15 @@
               <a:buNone/>
             </a:pPr>
             <a:r>
-              <a:rPr lang="en-US" altLang="fr-FR" dirty="0" smtClean="0"/>
+              <a:rPr lang="en-US" altLang="fr-FR" dirty="0"/>
               <a:t>while </a:t>
             </a:r>
             <a:r>
-              <a:rPr lang="en-US" altLang="fr-FR" i="1" dirty="0" smtClean="0"/>
+              <a:rPr lang="en-US" altLang="fr-FR" i="1" dirty="0"/>
               <a:t>condition</a:t>
             </a:r>
             <a:r>
-              <a:rPr lang="en-US" altLang="fr-FR" dirty="0" smtClean="0"/>
+              <a:rPr lang="en-US" altLang="fr-FR" dirty="0"/>
               <a:t>:</a:t>
             </a:r>
           </a:p>
@@ -6433,21 +6260,21 @@
               <a:buNone/>
             </a:pPr>
             <a:r>
-              <a:rPr lang="en-US" altLang="fr-FR" dirty="0" smtClean="0"/>
+              <a:rPr lang="en-US" altLang="fr-FR" dirty="0"/>
               <a:t>    </a:t>
             </a:r>
             <a:r>
-              <a:rPr lang="en-US" altLang="fr-FR" i="1" dirty="0" smtClean="0"/>
+              <a:rPr lang="en-US" altLang="fr-FR" i="1" dirty="0"/>
               <a:t>statements</a:t>
             </a:r>
-            <a:endParaRPr lang="en-US" altLang="fr-FR" dirty="0" smtClean="0"/>
+            <a:endParaRPr lang="en-US" altLang="fr-FR" dirty="0"/>
           </a:p>
           <a:p>
             <a:pPr eaLnBrk="1" hangingPunct="1">
               <a:buFontTx/>
               <a:buNone/>
             </a:pPr>
-            <a:endParaRPr lang="en-US" altLang="fr-FR" dirty="0" smtClean="0"/>
+            <a:endParaRPr lang="en-US" altLang="fr-FR" dirty="0"/>
           </a:p>
         </p:txBody>
       </p:sp>
@@ -6521,10 +6348,9 @@
           <a:lstStyle/>
           <a:p>
             <a:r>
-              <a:rPr lang="fr-FR" dirty="0" smtClean="0"/>
+              <a:rPr lang="fr-FR" dirty="0"/>
               <a:t>for</a:t>
             </a:r>
-            <a:endParaRPr lang="fr-FR" dirty="0"/>
           </a:p>
         </p:txBody>
       </p:sp>
@@ -6655,10 +6481,9 @@
           <a:lstStyle/>
           <a:p>
             <a:r>
-              <a:rPr lang="fr-FR" dirty="0" smtClean="0"/>
+              <a:rPr lang="fr-FR" dirty="0"/>
               <a:t>range</a:t>
             </a:r>
-            <a:endParaRPr lang="fr-FR" dirty="0"/>
           </a:p>
         </p:txBody>
       </p:sp>
@@ -6784,10 +6609,9 @@
           <a:lstStyle/>
           <a:p>
             <a:r>
-              <a:rPr lang="fr-FR" dirty="0" smtClean="0"/>
+              <a:rPr lang="fr-FR" dirty="0"/>
               <a:t>Break et continue</a:t>
             </a:r>
-            <a:endParaRPr lang="fr-FR" dirty="0"/>
           </a:p>
         </p:txBody>
       </p:sp>
@@ -6808,37 +6632,28 @@
           <a:p>
             <a:r>
               <a:rPr lang="fr-FR" dirty="0"/>
-              <a:t>b</a:t>
-            </a:r>
-            <a:r>
-              <a:rPr lang="fr-FR" dirty="0" smtClean="0"/>
-              <a:t>reak</a:t>
+              <a:t>break</a:t>
             </a:r>
           </a:p>
           <a:p>
             <a:pPr lvl="1"/>
             <a:r>
-              <a:rPr lang="fr-FR" dirty="0" smtClean="0"/>
+              <a:rPr lang="fr-FR" dirty="0"/>
               <a:t>Stop une itération</a:t>
             </a:r>
           </a:p>
           <a:p>
             <a:r>
               <a:rPr lang="fr-FR" dirty="0"/>
-              <a:t>c</a:t>
-            </a:r>
-            <a:r>
-              <a:rPr lang="fr-FR" dirty="0" smtClean="0"/>
-              <a:t>ontinue</a:t>
+              <a:t>continue</a:t>
             </a:r>
           </a:p>
           <a:p>
             <a:pPr lvl="1"/>
             <a:r>
-              <a:rPr lang="fr-FR" dirty="0" smtClean="0"/>
+              <a:rPr lang="fr-FR" dirty="0"/>
               <a:t>Passe à l’itération suivante</a:t>
             </a:r>
-            <a:endParaRPr lang="fr-FR" dirty="0"/>
           </a:p>
         </p:txBody>
       </p:sp>
@@ -6888,10 +6703,9 @@
           <a:lstStyle/>
           <a:p>
             <a:r>
-              <a:rPr lang="fr-FR" dirty="0" smtClean="0"/>
+              <a:rPr lang="fr-FR" dirty="0"/>
               <a:t>Fonctions</a:t>
             </a:r>
-            <a:endParaRPr lang="fr-FR" dirty="0"/>
           </a:p>
         </p:txBody>
       </p:sp>
@@ -6921,13 +6735,8 @@
             </a:r>
             <a:r>
               <a:rPr lang="fr-BE" altLang="fr-FR" dirty="0"/>
-              <a:t> </a:t>
-            </a:r>
-            <a:r>
-              <a:rPr lang="fr-BE" altLang="fr-FR" dirty="0" smtClean="0"/>
-              <a:t>».</a:t>
-            </a:r>
-            <a:endParaRPr lang="fr-BE" altLang="fr-FR" dirty="0"/>
+              <a:t> ».</a:t>
+            </a:r>
           </a:p>
           <a:p>
             <a:pPr marL="0" indent="0" eaLnBrk="1" hangingPunct="1">
@@ -6938,7 +6747,7 @@
               <a:t>        </a:t>
             </a:r>
             <a:r>
-              <a:rPr lang="fr-BE" altLang="fr-FR" dirty="0" err="1" smtClean="0">
+              <a:rPr lang="fr-BE" altLang="fr-FR" dirty="0" err="1">
                 <a:solidFill>
                   <a:schemeClr val="accent2"/>
                 </a:solidFill>
@@ -6946,7 +6755,7 @@
               <a:t>def</a:t>
             </a:r>
             <a:r>
-              <a:rPr lang="fr-BE" altLang="fr-FR" dirty="0" smtClean="0">
+              <a:rPr lang="fr-BE" altLang="fr-FR" dirty="0">
                 <a:solidFill>
                   <a:schemeClr val="accent2"/>
                 </a:solidFill>
@@ -7009,25 +6818,17 @@
                   <a:schemeClr val="accent2"/>
                 </a:solidFill>
               </a:rPr>
-              <a:t>                            return &lt;valeur</a:t>
-            </a:r>
-            <a:r>
-              <a:rPr lang="fr-BE" altLang="fr-FR" dirty="0" smtClean="0">
-                <a:solidFill>
-                  <a:schemeClr val="accent2"/>
-                </a:solidFill>
-              </a:rPr>
-              <a:t>&gt;</a:t>
+              <a:t>                            return &lt;valeur&gt;</a:t>
             </a:r>
           </a:p>
           <a:p>
             <a:pPr eaLnBrk="1" hangingPunct="1"/>
             <a:r>
-              <a:rPr lang="fr-BE" altLang="fr-FR" dirty="0" smtClean="0"/>
+              <a:rPr lang="fr-BE" altLang="fr-FR" dirty="0"/>
               <a:t>La surcharge est </a:t>
             </a:r>
             <a:r>
-              <a:rPr lang="fr-BE" altLang="fr-FR" smtClean="0"/>
+              <a:rPr lang="fr-BE" altLang="fr-FR"/>
               <a:t>autorisée en Python 3</a:t>
             </a:r>
             <a:endParaRPr lang="fr-BE" altLang="fr-FR" dirty="0">
@@ -7062,13 +6863,6 @@
   <p:clrMapOvr>
     <a:masterClrMapping/>
   </p:clrMapOvr>
-  <p:timing>
-    <p:tnLst>
-      <p:par>
-        <p:cTn id="1" dur="indefinite" restart="never" nodeType="tmRoot"/>
-      </p:par>
-    </p:tnLst>
-  </p:timing>
 </p:sld>
 </file>
 
@@ -7105,10 +6899,9 @@
           <a:lstStyle/>
           <a:p>
             <a:r>
-              <a:rPr lang="fr-FR" dirty="0" smtClean="0"/>
+              <a:rPr lang="fr-FR" dirty="0"/>
               <a:t>Appel d’une fonction</a:t>
             </a:r>
-            <a:endParaRPr lang="fr-FR" dirty="0"/>
           </a:p>
         </p:txBody>
       </p:sp>
@@ -7144,7 +6937,7 @@
               <a:t>argn</a:t>
             </a:r>
             <a:r>
-              <a:rPr lang="fr-BE" altLang="fr-FR" dirty="0" smtClean="0"/>
+              <a:rPr lang="fr-BE" altLang="fr-FR" dirty="0"/>
               <a:t>)</a:t>
             </a:r>
           </a:p>
@@ -7154,16 +6947,12 @@
               <a:t>Les fonctions peuvent être appelées en utilisant des arguments mots-clés de la forme « </a:t>
             </a:r>
             <a:r>
-              <a:rPr lang="fr-BE" altLang="fr-FR" dirty="0" err="1" smtClean="0"/>
+              <a:rPr lang="fr-BE" altLang="fr-FR" dirty="0" err="1"/>
               <a:t>parametre</a:t>
             </a:r>
             <a:r>
-              <a:rPr lang="fr-BE" altLang="fr-FR" dirty="0" smtClean="0"/>
-              <a:t>=valeur</a:t>
-            </a:r>
-            <a:r>
               <a:rPr lang="fr-BE" altLang="fr-FR" dirty="0"/>
-              <a:t> »</a:t>
+              <a:t>=valeur »</a:t>
             </a:r>
           </a:p>
           <a:p>
@@ -7181,13 +6970,6 @@
   <p:clrMapOvr>
     <a:masterClrMapping/>
   </p:clrMapOvr>
-  <p:timing>
-    <p:tnLst>
-      <p:par>
-        <p:cTn id="1" dur="indefinite" restart="never" nodeType="tmRoot"/>
-      </p:par>
-    </p:tnLst>
-  </p:timing>
 </p:sld>
 </file>
 
@@ -7224,10 +7006,9 @@
           <a:lstStyle/>
           <a:p>
             <a:r>
-              <a:rPr lang="fr-FR" dirty="0" smtClean="0"/>
+              <a:rPr lang="fr-FR" dirty="0"/>
               <a:t>Paramètres par défauts</a:t>
             </a:r>
-            <a:endParaRPr lang="fr-FR" dirty="0"/>
           </a:p>
         </p:txBody>
       </p:sp>
@@ -7257,7 +7038,7 @@
               <a:buNone/>
             </a:pPr>
             <a:r>
-              <a:rPr lang="fr-BE" altLang="fr-FR" dirty="0" err="1" smtClean="0">
+              <a:rPr lang="fr-BE" altLang="fr-FR" dirty="0" err="1">
                 <a:solidFill>
                   <a:schemeClr val="accent2"/>
                 </a:solidFill>
@@ -7265,20 +7046,12 @@
               <a:t>def</a:t>
             </a:r>
             <a:r>
-              <a:rPr lang="fr-BE" altLang="fr-FR" dirty="0" smtClean="0">
+              <a:rPr lang="fr-BE" altLang="fr-FR" dirty="0">
                 <a:solidFill>
                   <a:schemeClr val="accent2"/>
                 </a:solidFill>
               </a:rPr>
-              <a:t> </a:t>
-            </a:r>
-            <a:r>
-              <a:rPr lang="fr-BE" altLang="fr-FR" dirty="0">
-                <a:solidFill>
-                  <a:schemeClr val="accent2"/>
-                </a:solidFill>
-              </a:rPr>
-              <a:t>perroquet (voltage, </a:t>
+              <a:t> perroquet (voltage, </a:t>
             </a:r>
             <a:r>
               <a:rPr lang="fr-BE" altLang="fr-FR" dirty="0" err="1">
@@ -7384,23 +7157,7 @@
                   <a:schemeClr val="accent2"/>
                 </a:solidFill>
               </a:rPr>
-              <a:t> « -- si </a:t>
-            </a:r>
-            <a:r>
-              <a:rPr lang="fr-BE" altLang="fr-FR" dirty="0" smtClean="0">
-                <a:solidFill>
-                  <a:schemeClr val="accent2"/>
-                </a:solidFill>
-              </a:rPr>
-              <a:t>vous </a:t>
-            </a:r>
-            <a:r>
-              <a:rPr lang="fr-BE" altLang="fr-FR" dirty="0">
-                <a:solidFill>
-                  <a:schemeClr val="accent2"/>
-                </a:solidFill>
-              </a:rPr>
-              <a:t>le mettez sous », voltage,  « volts. »</a:t>
+              <a:t> « -- si vous le mettez sous », voltage,  « volts. »</a:t>
             </a:r>
           </a:p>
           <a:p>
@@ -7515,13 +7272,6 @@
   <p:clrMapOvr>
     <a:masterClrMapping/>
   </p:clrMapOvr>
-  <p:timing>
-    <p:tnLst>
-      <p:par>
-        <p:cTn id="1" dur="indefinite" restart="never" nodeType="tmRoot"/>
-      </p:par>
-    </p:tnLst>
-  </p:timing>
 </p:sld>
 </file>
 
@@ -7563,7 +7313,7 @@
           <a:lstStyle/>
           <a:p>
             <a:r>
-              <a:rPr lang="fr-FR" altLang="fr-FR" dirty="0" smtClean="0"/>
+              <a:rPr lang="fr-FR" altLang="fr-FR" dirty="0"/>
               <a:t>Python</a:t>
             </a:r>
           </a:p>
@@ -7591,62 +7341,40 @@
           <a:p>
             <a:r>
               <a:rPr lang="fr-FR" altLang="fr-FR" dirty="0"/>
-              <a:t>Python </a:t>
-            </a:r>
-            <a:r>
-              <a:rPr lang="fr-FR" altLang="fr-FR" dirty="0" smtClean="0"/>
-              <a:t>est un langage de haut niveau mais simple</a:t>
-            </a:r>
-            <a:endParaRPr lang="fr-FR" altLang="fr-FR" dirty="0"/>
-          </a:p>
-          <a:p>
-            <a:r>
-              <a:rPr lang="fr-FR" altLang="fr-FR" dirty="0" smtClean="0"/>
-              <a:t>Python </a:t>
-            </a:r>
+              <a:t>Python est un langage de haut niveau mais simple</a:t>
+            </a:r>
+          </a:p>
+          <a:p>
             <a:r>
               <a:rPr lang="fr-FR" altLang="fr-FR" dirty="0"/>
-              <a:t>est </a:t>
-            </a:r>
-            <a:r>
-              <a:rPr lang="fr-FR" altLang="fr-FR" dirty="0" smtClean="0"/>
-              <a:t>interprété</a:t>
+              <a:t>Python est interprété</a:t>
             </a:r>
           </a:p>
           <a:p>
             <a:pPr lvl="1"/>
             <a:r>
-              <a:rPr lang="fr-FR" altLang="fr-FR" dirty="0" smtClean="0"/>
+              <a:rPr lang="fr-FR" altLang="fr-FR" dirty="0"/>
               <a:t>Pas le plus rapide</a:t>
             </a:r>
           </a:p>
           <a:p>
             <a:r>
-              <a:rPr lang="fr-FR" altLang="fr-FR" dirty="0" smtClean="0"/>
-              <a:t>Python </a:t>
-            </a:r>
-            <a:r>
               <a:rPr lang="fr-FR" altLang="fr-FR" dirty="0"/>
-              <a:t>favorise la programmation impérative structurée, fonctionnelle et orientée </a:t>
-            </a:r>
-            <a:r>
-              <a:rPr lang="fr-FR" altLang="fr-FR" dirty="0" smtClean="0"/>
-              <a:t>objet</a:t>
-            </a:r>
-          </a:p>
-          <a:p>
-            <a:r>
-              <a:rPr lang="fr-FR" altLang="fr-FR" dirty="0" smtClean="0"/>
+              <a:t>Python favorise la programmation impérative structurée, fonctionnelle et orientée objet</a:t>
+            </a:r>
+          </a:p>
+          <a:p>
+            <a:r>
+              <a:rPr lang="fr-FR" altLang="fr-FR" dirty="0"/>
               <a:t>Python 3.x</a:t>
             </a:r>
           </a:p>
           <a:p>
             <a:pPr lvl="1"/>
             <a:r>
-              <a:rPr lang="fr-FR" altLang="fr-FR" dirty="0" smtClean="0"/>
+              <a:rPr lang="fr-FR" altLang="fr-FR" dirty="0"/>
               <a:t>Grosses différences avec Python 2.x</a:t>
             </a:r>
-            <a:endParaRPr lang="fr-FR" altLang="fr-FR" dirty="0"/>
           </a:p>
           <a:p>
             <a:endParaRPr lang="fr-FR" altLang="fr-FR" dirty="0"/>
@@ -7687,13 +7415,6 @@
   <p:clrMapOvr>
     <a:masterClrMapping/>
   </p:clrMapOvr>
-  <p:timing>
-    <p:tnLst>
-      <p:par>
-        <p:cTn id="1" dur="indefinite" restart="never" nodeType="tmRoot"/>
-      </p:par>
-    </p:tnLst>
-  </p:timing>
 </p:sld>
 </file>
 
@@ -7730,10 +7451,9 @@
           <a:lstStyle/>
           <a:p>
             <a:r>
-              <a:rPr lang="fr-FR" dirty="0" smtClean="0"/>
+              <a:rPr lang="fr-FR" dirty="0"/>
               <a:t>Les listes</a:t>
             </a:r>
-            <a:endParaRPr lang="fr-FR" dirty="0"/>
           </a:p>
         </p:txBody>
       </p:sp>
@@ -7758,31 +7478,27 @@
               </a:lnSpc>
             </a:pPr>
             <a:r>
-              <a:rPr lang="en-GB" altLang="fr-FR" dirty="0" smtClean="0"/>
+              <a:rPr lang="en-GB" altLang="fr-FR" dirty="0"/>
               <a:t>Il </a:t>
             </a:r>
             <a:r>
-              <a:rPr lang="en-GB" altLang="fr-FR" dirty="0" err="1" smtClean="0"/>
+              <a:rPr lang="en-GB" altLang="fr-FR" dirty="0" err="1"/>
               <a:t>s’agit</a:t>
             </a:r>
             <a:r>
-              <a:rPr lang="en-GB" altLang="fr-FR" dirty="0" smtClean="0"/>
+              <a:rPr lang="en-GB" altLang="fr-FR" dirty="0"/>
               <a:t> </a:t>
             </a:r>
             <a:r>
-              <a:rPr lang="en-GB" altLang="fr-FR" dirty="0" err="1" smtClean="0"/>
+              <a:rPr lang="en-GB" altLang="fr-FR" dirty="0" err="1"/>
               <a:t>d’une</a:t>
             </a:r>
             <a:r>
-              <a:rPr lang="en-GB" altLang="fr-FR" dirty="0" smtClean="0"/>
-              <a:t> </a:t>
-            </a:r>
-            <a:r>
               <a:rPr lang="en-GB" altLang="fr-FR" dirty="0"/>
-              <a:t>collection </a:t>
-            </a:r>
-            <a:r>
-              <a:rPr lang="en-GB" altLang="fr-FR" dirty="0" err="1" smtClean="0"/>
+              <a:t> collection </a:t>
+            </a:r>
+            <a:r>
+              <a:rPr lang="en-GB" altLang="fr-FR" dirty="0" err="1"/>
               <a:t>d’objets</a:t>
             </a:r>
             <a:endParaRPr lang="en-GB" altLang="fr-FR" dirty="0"/>
@@ -7794,11 +7510,11 @@
               </a:lnSpc>
             </a:pPr>
             <a:r>
-              <a:rPr lang="en-GB" altLang="fr-FR" dirty="0" err="1" smtClean="0"/>
+              <a:rPr lang="en-GB" altLang="fr-FR" dirty="0" err="1"/>
               <a:t>une</a:t>
             </a:r>
             <a:r>
-              <a:rPr lang="en-GB" altLang="fr-FR" dirty="0" smtClean="0"/>
+              <a:rPr lang="en-GB" altLang="fr-FR" dirty="0"/>
               <a:t> </a:t>
             </a:r>
             <a:r>
@@ -7839,11 +7555,7 @@
             </a:r>
             <a:r>
               <a:rPr lang="en-GB" altLang="fr-FR" dirty="0"/>
-              <a:t> par des </a:t>
-            </a:r>
-            <a:r>
-              <a:rPr lang="en-GB" altLang="fr-FR" dirty="0" smtClean="0"/>
-              <a:t>virgules.</a:t>
+              <a:t> par des virgules.</a:t>
             </a:r>
           </a:p>
           <a:p>
@@ -7853,7 +7565,7 @@
               </a:lnSpc>
             </a:pPr>
             <a:r>
-              <a:rPr lang="en-GB" altLang="fr-FR" dirty="0" smtClean="0"/>
+              <a:rPr lang="en-GB" altLang="fr-FR" dirty="0"/>
               <a:t>Les </a:t>
             </a:r>
             <a:r>
@@ -7894,11 +7606,7 @@
             </a:r>
             <a:r>
               <a:rPr lang="en-GB" altLang="fr-FR" dirty="0"/>
-              <a:t> </a:t>
-            </a:r>
-            <a:r>
-              <a:rPr lang="en-GB" altLang="fr-FR" dirty="0" smtClean="0"/>
-              <a:t>type</a:t>
+              <a:t> type</a:t>
             </a:r>
           </a:p>
           <a:p>
@@ -7908,11 +7616,11 @@
               </a:lnSpc>
             </a:pPr>
             <a:r>
-              <a:rPr lang="en-GB" altLang="fr-FR" dirty="0" err="1" smtClean="0"/>
+              <a:rPr lang="en-GB" altLang="fr-FR" dirty="0" err="1"/>
               <a:t>Voici</a:t>
             </a:r>
             <a:r>
-              <a:rPr lang="en-GB" altLang="fr-FR" dirty="0" smtClean="0"/>
+              <a:rPr lang="en-GB" altLang="fr-FR" dirty="0"/>
               <a:t> </a:t>
             </a:r>
             <a:r>
@@ -7932,7 +7640,7 @@
               <a:t> de 4 </a:t>
             </a:r>
             <a:r>
-              <a:rPr lang="en-GB" altLang="fr-FR" dirty="0" err="1" smtClean="0"/>
+              <a:rPr lang="en-GB" altLang="fr-FR" dirty="0" err="1"/>
               <a:t>éléments</a:t>
             </a:r>
             <a:endParaRPr lang="en-GB" altLang="fr-FR" dirty="0"/>
@@ -7944,12 +7652,8 @@
               </a:lnSpc>
             </a:pPr>
             <a:r>
-              <a:rPr lang="en-GB" altLang="fr-FR" dirty="0" smtClean="0"/>
-              <a:t>&gt;&gt;&gt;</a:t>
-            </a:r>
-            <a:r>
               <a:rPr lang="en-GB" altLang="fr-FR" dirty="0"/>
-              <a:t>a = [‘spam’, ‘eggs’,100,1234]				  </a:t>
+              <a:t>&gt;&gt;&gt;a = [‘spam’, ‘eggs’,100,1234]				  </a:t>
             </a:r>
           </a:p>
           <a:p>
@@ -8023,10 +7727,10 @@
               <a:t>, </a:t>
             </a:r>
             <a:r>
-              <a:rPr lang="en-GB" altLang="fr-FR" dirty="0" err="1" smtClean="0"/>
+              <a:rPr lang="en-GB" altLang="fr-FR" dirty="0" err="1"/>
               <a:t>concaténées</a:t>
             </a:r>
-            <a:endParaRPr lang="en-GB" altLang="fr-FR" dirty="0" smtClean="0"/>
+            <a:endParaRPr lang="en-GB" altLang="fr-FR" dirty="0"/>
           </a:p>
           <a:p>
             <a:pPr eaLnBrk="1" hangingPunct="1">
@@ -8035,7 +7739,7 @@
               </a:lnSpc>
             </a:pPr>
             <a:r>
-              <a:rPr lang="en-GB" altLang="fr-FR" dirty="0" smtClean="0"/>
+              <a:rPr lang="en-GB" altLang="fr-FR" dirty="0"/>
               <a:t>Les </a:t>
             </a:r>
             <a:r>
@@ -8091,7 +7795,7 @@
               <a:t> </a:t>
             </a:r>
             <a:r>
-              <a:rPr lang="en-GB" altLang="fr-FR" dirty="0" err="1" smtClean="0"/>
+              <a:rPr lang="en-GB" altLang="fr-FR" dirty="0" err="1"/>
               <a:t>individuellement</a:t>
             </a:r>
             <a:endParaRPr lang="fr-FR" dirty="0"/>
@@ -8108,13 +7812,6 @@
   <p:clrMapOvr>
     <a:masterClrMapping/>
   </p:clrMapOvr>
-  <p:timing>
-    <p:tnLst>
-      <p:par>
-        <p:cTn id="1" dur="indefinite" restart="never" nodeType="tmRoot"/>
-      </p:par>
-    </p:tnLst>
-  </p:timing>
 </p:sld>
 </file>
 
@@ -8151,10 +7848,9 @@
           <a:lstStyle/>
           <a:p>
             <a:r>
-              <a:rPr lang="fr-FR" dirty="0" smtClean="0"/>
+              <a:rPr lang="fr-FR" dirty="0"/>
               <a:t>Opérations de liste</a:t>
             </a:r>
-            <a:endParaRPr lang="fr-FR" dirty="0"/>
           </a:p>
         </p:txBody>
       </p:sp>
@@ -8347,10 +8043,9 @@
           <a:lstStyle/>
           <a:p>
             <a:r>
-              <a:rPr lang="fr-FR" dirty="0" smtClean="0"/>
+              <a:rPr lang="fr-FR" dirty="0"/>
               <a:t>Exemples</a:t>
             </a:r>
-            <a:endParaRPr lang="fr-FR" dirty="0"/>
           </a:p>
         </p:txBody>
       </p:sp>
@@ -8553,7 +8248,7 @@
               </a:spcBef>
             </a:pPr>
             <a:r>
-              <a:rPr lang="en-GB" altLang="fr-FR" sz="1800" kern="0" dirty="0" smtClean="0">
+              <a:rPr lang="en-GB" altLang="fr-FR" sz="1800" kern="0" dirty="0">
                 <a:solidFill>
                   <a:schemeClr val="accent2"/>
                 </a:solidFill>
@@ -8571,7 +8266,7 @@
               </a:spcBef>
             </a:pPr>
             <a:r>
-              <a:rPr lang="en-GB" altLang="fr-FR" sz="1800" kern="0" dirty="0" smtClean="0">
+              <a:rPr lang="en-GB" altLang="fr-FR" sz="1800" kern="0" dirty="0">
                 <a:solidFill>
                   <a:schemeClr val="accent2"/>
                 </a:solidFill>
@@ -8589,7 +8284,7 @@
               </a:spcBef>
             </a:pPr>
             <a:r>
-              <a:rPr lang="en-GB" altLang="fr-FR" sz="1800" kern="0" dirty="0" smtClean="0">
+              <a:rPr lang="en-GB" altLang="fr-FR" sz="1800" kern="0" dirty="0">
                 <a:solidFill>
                   <a:schemeClr val="accent2"/>
                 </a:solidFill>
@@ -8607,7 +8302,7 @@
               </a:spcBef>
             </a:pPr>
             <a:r>
-              <a:rPr lang="en-GB" altLang="fr-FR" sz="1800" kern="0" dirty="0" smtClean="0">
+              <a:rPr lang="en-GB" altLang="fr-FR" sz="1800" kern="0" dirty="0">
                 <a:solidFill>
                   <a:schemeClr val="accent2"/>
                 </a:solidFill>
@@ -8625,7 +8320,7 @@
               </a:spcBef>
             </a:pPr>
             <a:r>
-              <a:rPr lang="en-GB" altLang="fr-FR" sz="1800" kern="0" dirty="0" smtClean="0">
+              <a:rPr lang="en-GB" altLang="fr-FR" sz="1800" kern="0" dirty="0">
                 <a:solidFill>
                   <a:schemeClr val="accent2"/>
                 </a:solidFill>
@@ -8643,7 +8338,7 @@
               </a:spcBef>
             </a:pPr>
             <a:r>
-              <a:rPr lang="en-GB" altLang="fr-FR" sz="1800" kern="0" dirty="0" smtClean="0">
+              <a:rPr lang="en-GB" altLang="fr-FR" sz="1800" kern="0" dirty="0">
                 <a:solidFill>
                   <a:schemeClr val="accent2"/>
                 </a:solidFill>
@@ -8661,7 +8356,7 @@
               </a:spcBef>
             </a:pPr>
             <a:r>
-              <a:rPr lang="en-GB" altLang="fr-FR" sz="1800" kern="0" dirty="0" smtClean="0">
+              <a:rPr lang="en-GB" altLang="fr-FR" sz="1800" kern="0" dirty="0">
                 <a:solidFill>
                   <a:schemeClr val="accent2"/>
                 </a:solidFill>
@@ -8679,7 +8374,7 @@
               </a:spcBef>
             </a:pPr>
             <a:r>
-              <a:rPr lang="en-GB" altLang="fr-FR" sz="1800" kern="0" dirty="0" smtClean="0">
+              <a:rPr lang="en-GB" altLang="fr-FR" sz="1800" kern="0" dirty="0">
                 <a:solidFill>
                   <a:schemeClr val="accent2"/>
                 </a:solidFill>
@@ -8697,7 +8392,7 @@
               </a:spcBef>
             </a:pPr>
             <a:r>
-              <a:rPr lang="en-GB" altLang="fr-FR" sz="1800" kern="0" dirty="0" smtClean="0">
+              <a:rPr lang="en-GB" altLang="fr-FR" sz="1800" kern="0" dirty="0">
                 <a:solidFill>
                   <a:schemeClr val="accent2"/>
                 </a:solidFill>
@@ -8715,7 +8410,7 @@
               </a:spcBef>
             </a:pPr>
             <a:r>
-              <a:rPr lang="en-GB" altLang="fr-FR" sz="1800" kern="0" dirty="0" smtClean="0">
+              <a:rPr lang="en-GB" altLang="fr-FR" sz="1800" kern="0" dirty="0">
                 <a:solidFill>
                   <a:schemeClr val="accent2"/>
                 </a:solidFill>
@@ -8733,7 +8428,7 @@
               </a:spcBef>
             </a:pPr>
             <a:r>
-              <a:rPr lang="en-GB" altLang="fr-FR" sz="1800" kern="0" dirty="0" smtClean="0">
+              <a:rPr lang="en-GB" altLang="fr-FR" sz="1800" kern="0" dirty="0">
                 <a:solidFill>
                   <a:schemeClr val="accent2"/>
                 </a:solidFill>
@@ -8751,7 +8446,7 @@
               </a:spcBef>
             </a:pPr>
             <a:r>
-              <a:rPr lang="en-GB" altLang="fr-FR" sz="1800" kern="0" dirty="0" smtClean="0">
+              <a:rPr lang="en-GB" altLang="fr-FR" sz="1800" kern="0" dirty="0">
                 <a:solidFill>
                   <a:schemeClr val="accent2"/>
                 </a:solidFill>
@@ -8769,7 +8464,7 @@
               </a:spcBef>
             </a:pPr>
             <a:r>
-              <a:rPr lang="en-GB" altLang="fr-FR" sz="1800" kern="0" dirty="0" smtClean="0">
+              <a:rPr lang="en-GB" altLang="fr-FR" sz="1800" kern="0" dirty="0">
                 <a:solidFill>
                   <a:schemeClr val="accent2"/>
                 </a:solidFill>
@@ -8787,7 +8482,7 @@
               </a:spcBef>
             </a:pPr>
             <a:r>
-              <a:rPr lang="en-GB" altLang="fr-FR" sz="1800" kern="0" dirty="0" smtClean="0">
+              <a:rPr lang="en-GB" altLang="fr-FR" sz="1800" kern="0" dirty="0">
                 <a:solidFill>
                   <a:schemeClr val="accent2"/>
                 </a:solidFill>
@@ -8795,7 +8490,7 @@
               <a:t>&gt;&gt;&gt; 3*a[:3] + ['</a:t>
             </a:r>
             <a:r>
-              <a:rPr lang="en-GB" altLang="fr-FR" sz="1800" kern="0" dirty="0" err="1" smtClean="0">
+              <a:rPr lang="en-GB" altLang="fr-FR" sz="1800" kern="0" dirty="0" err="1">
                 <a:solidFill>
                   <a:schemeClr val="accent2"/>
                 </a:solidFill>
@@ -8803,7 +8498,7 @@
               <a:t>Boe</a:t>
             </a:r>
             <a:r>
-              <a:rPr lang="en-GB" altLang="fr-FR" sz="1800" kern="0" dirty="0" smtClean="0">
+              <a:rPr lang="en-GB" altLang="fr-FR" sz="1800" kern="0" dirty="0">
                 <a:solidFill>
                   <a:schemeClr val="accent2"/>
                 </a:solidFill>
@@ -8821,7 +8516,7 @@
               </a:spcBef>
             </a:pPr>
             <a:r>
-              <a:rPr lang="en-GB" altLang="fr-FR" sz="1800" kern="0" dirty="0" smtClean="0">
+              <a:rPr lang="en-GB" altLang="fr-FR" sz="1800" kern="0" dirty="0">
                 <a:solidFill>
                   <a:schemeClr val="accent2"/>
                 </a:solidFill>
@@ -8829,7 +8524,7 @@
               <a:t>['spam', 'eggs', 100, 'spam', 'eggs', 100, 'spam', 'eggs', 100, '</a:t>
             </a:r>
             <a:r>
-              <a:rPr lang="en-GB" altLang="fr-FR" sz="1800" kern="0" dirty="0" err="1" smtClean="0">
+              <a:rPr lang="en-GB" altLang="fr-FR" sz="1800" kern="0" dirty="0" err="1">
                 <a:solidFill>
                   <a:schemeClr val="accent2"/>
                 </a:solidFill>
@@ -8837,7 +8532,7 @@
               <a:t>Boe</a:t>
             </a:r>
             <a:r>
-              <a:rPr lang="en-GB" altLang="fr-FR" sz="1800" kern="0" dirty="0" smtClean="0">
+              <a:rPr lang="en-GB" altLang="fr-FR" sz="1800" kern="0" dirty="0">
                 <a:solidFill>
                   <a:schemeClr val="accent2"/>
                 </a:solidFill>
@@ -8851,7 +8546,7 @@
                 <a:spcPct val="90000"/>
               </a:lnSpc>
             </a:pPr>
-            <a:endParaRPr lang="en-GB" altLang="fr-FR" sz="1800" kern="0" dirty="0" smtClean="0">
+            <a:endParaRPr lang="en-GB" altLang="fr-FR" sz="1800" kern="0" dirty="0">
               <a:solidFill>
                 <a:schemeClr val="accent2"/>
               </a:solidFill>
@@ -9604,10 +9299,9 @@
           <a:lstStyle/>
           <a:p>
             <a:r>
-              <a:rPr lang="fr-FR" dirty="0" smtClean="0"/>
+              <a:rPr lang="fr-FR" dirty="0"/>
               <a:t>Exemples de méthodes de liste</a:t>
             </a:r>
-            <a:endParaRPr lang="fr-FR" dirty="0"/>
           </a:p>
         </p:txBody>
       </p:sp>
@@ -9813,7 +9507,7 @@
               </a:spcAft>
             </a:pPr>
             <a:r>
-              <a:rPr lang="en-GB" altLang="fr-FR" sz="1800" kern="0" smtClean="0"/>
+              <a:rPr lang="en-GB" altLang="fr-FR" sz="1800" kern="0"/>
               <a:t>Un exemple qui utilise toutes les méthodes des listes: </a:t>
             </a:r>
           </a:p>
@@ -9827,7 +9521,7 @@
               </a:spcBef>
             </a:pPr>
             <a:r>
-              <a:rPr lang="en-GB" altLang="fr-FR" sz="1800" kern="0" smtClean="0">
+              <a:rPr lang="en-GB" altLang="fr-FR" sz="1800" kern="0">
                 <a:solidFill>
                   <a:schemeClr val="accent2"/>
                 </a:solidFill>
@@ -9846,7 +9540,7 @@
               </a:spcBef>
             </a:pPr>
             <a:r>
-              <a:rPr lang="en-GB" altLang="fr-FR" sz="1800" kern="0" smtClean="0">
+              <a:rPr lang="en-GB" altLang="fr-FR" sz="1800" kern="0">
                 <a:solidFill>
                   <a:schemeClr val="accent2"/>
                 </a:solidFill>
@@ -9865,7 +9559,7 @@
               </a:spcBef>
             </a:pPr>
             <a:r>
-              <a:rPr lang="en-GB" altLang="fr-FR" sz="1800" kern="0" smtClean="0">
+              <a:rPr lang="en-GB" altLang="fr-FR" sz="1800" kern="0">
                 <a:solidFill>
                   <a:schemeClr val="accent2"/>
                 </a:solidFill>
@@ -9884,7 +9578,7 @@
               </a:spcBef>
             </a:pPr>
             <a:r>
-              <a:rPr lang="en-GB" altLang="fr-FR" sz="1800" kern="0" smtClean="0">
+              <a:rPr lang="en-GB" altLang="fr-FR" sz="1800" kern="0">
                 <a:solidFill>
                   <a:schemeClr val="accent2"/>
                 </a:solidFill>
@@ -9903,7 +9597,7 @@
               </a:spcBef>
             </a:pPr>
             <a:r>
-              <a:rPr lang="en-GB" altLang="fr-FR" sz="1800" kern="0" smtClean="0">
+              <a:rPr lang="en-GB" altLang="fr-FR" sz="1800" kern="0">
                 <a:solidFill>
                   <a:schemeClr val="accent2"/>
                 </a:solidFill>
@@ -9922,7 +9616,7 @@
               </a:spcBef>
             </a:pPr>
             <a:r>
-              <a:rPr lang="en-GB" altLang="fr-FR" sz="1800" kern="0" smtClean="0">
+              <a:rPr lang="en-GB" altLang="fr-FR" sz="1800" kern="0">
                 <a:solidFill>
                   <a:schemeClr val="accent2"/>
                 </a:solidFill>
@@ -9941,7 +9635,7 @@
               </a:spcBef>
             </a:pPr>
             <a:r>
-              <a:rPr lang="en-GB" altLang="fr-FR" sz="1800" kern="0" smtClean="0">
+              <a:rPr lang="en-GB" altLang="fr-FR" sz="1800" kern="0">
                 <a:solidFill>
                   <a:schemeClr val="accent2"/>
                 </a:solidFill>
@@ -9960,7 +9654,7 @@
               </a:spcBef>
             </a:pPr>
             <a:r>
-              <a:rPr lang="en-GB" altLang="fr-FR" sz="1800" kern="0" smtClean="0">
+              <a:rPr lang="en-GB" altLang="fr-FR" sz="1800" kern="0">
                 <a:solidFill>
                   <a:schemeClr val="accent2"/>
                 </a:solidFill>
@@ -9979,7 +9673,7 @@
               </a:spcBef>
             </a:pPr>
             <a:r>
-              <a:rPr lang="en-GB" altLang="fr-FR" sz="1800" kern="0" smtClean="0">
+              <a:rPr lang="en-GB" altLang="fr-FR" sz="1800" kern="0">
                 <a:solidFill>
                   <a:schemeClr val="accent2"/>
                 </a:solidFill>
@@ -9998,7 +9692,7 @@
               </a:spcBef>
             </a:pPr>
             <a:r>
-              <a:rPr lang="en-GB" altLang="fr-FR" sz="1800" kern="0" smtClean="0">
+              <a:rPr lang="en-GB" altLang="fr-FR" sz="1800" kern="0">
                 <a:solidFill>
                   <a:schemeClr val="accent2"/>
                 </a:solidFill>
@@ -10017,7 +9711,7 @@
               </a:spcBef>
             </a:pPr>
             <a:r>
-              <a:rPr lang="en-GB" altLang="fr-FR" sz="1800" kern="0" smtClean="0">
+              <a:rPr lang="en-GB" altLang="fr-FR" sz="1800" kern="0">
                 <a:solidFill>
                   <a:schemeClr val="accent2"/>
                 </a:solidFill>
@@ -10036,7 +9730,7 @@
               </a:spcBef>
             </a:pPr>
             <a:r>
-              <a:rPr lang="en-GB" altLang="fr-FR" sz="1800" kern="0" smtClean="0">
+              <a:rPr lang="en-GB" altLang="fr-FR" sz="1800" kern="0">
                 <a:solidFill>
                   <a:schemeClr val="accent2"/>
                 </a:solidFill>
@@ -10055,7 +9749,7 @@
               </a:spcBef>
             </a:pPr>
             <a:r>
-              <a:rPr lang="en-GB" altLang="fr-FR" sz="1800" kern="0" smtClean="0">
+              <a:rPr lang="en-GB" altLang="fr-FR" sz="1800" kern="0">
                 <a:solidFill>
                   <a:schemeClr val="accent2"/>
                 </a:solidFill>
@@ -10074,7 +9768,7 @@
               </a:spcBef>
             </a:pPr>
             <a:r>
-              <a:rPr lang="en-GB" altLang="fr-FR" sz="1800" kern="0" smtClean="0">
+              <a:rPr lang="en-GB" altLang="fr-FR" sz="1800" kern="0">
                 <a:solidFill>
                   <a:schemeClr val="accent2"/>
                 </a:solidFill>
@@ -10093,7 +9787,7 @@
               </a:spcBef>
             </a:pPr>
             <a:r>
-              <a:rPr lang="en-GB" altLang="fr-FR" sz="1800" kern="0" smtClean="0">
+              <a:rPr lang="en-GB" altLang="fr-FR" sz="1800" kern="0">
                 <a:solidFill>
                   <a:schemeClr val="accent2"/>
                 </a:solidFill>
@@ -10112,7 +9806,7 @@
               </a:spcBef>
             </a:pPr>
             <a:r>
-              <a:rPr lang="en-GB" altLang="fr-FR" sz="1800" kern="0" smtClean="0">
+              <a:rPr lang="en-GB" altLang="fr-FR" sz="1800" kern="0">
                 <a:solidFill>
                   <a:schemeClr val="accent2"/>
                 </a:solidFill>
@@ -10131,7 +9825,7 @@
               </a:spcBef>
             </a:pPr>
             <a:r>
-              <a:rPr lang="en-GB" altLang="fr-FR" sz="1800" kern="0" smtClean="0">
+              <a:rPr lang="en-GB" altLang="fr-FR" sz="1800" kern="0">
                 <a:solidFill>
                   <a:schemeClr val="accent2"/>
                 </a:solidFill>
@@ -10150,7 +9844,7 @@
               </a:spcBef>
             </a:pPr>
             <a:r>
-              <a:rPr lang="en-GB" altLang="fr-FR" sz="1800" kern="0" smtClean="0">
+              <a:rPr lang="en-GB" altLang="fr-FR" sz="1800" kern="0">
                 <a:solidFill>
                   <a:schemeClr val="accent2"/>
                 </a:solidFill>
@@ -10165,7 +9859,7 @@
                 <a:spcPct val="90000"/>
               </a:lnSpc>
             </a:pPr>
-            <a:endParaRPr lang="en-GB" altLang="fr-FR" sz="1800" kern="0" dirty="0" smtClean="0">
+            <a:endParaRPr lang="en-GB" altLang="fr-FR" sz="1800" kern="0" dirty="0">
               <a:solidFill>
                 <a:schemeClr val="accent2"/>
               </a:solidFill>
@@ -10276,461 +9970,6 @@
 </p:sld>
 </file>
 
-<file path=ppt/slides/slide34.xml><?xml version="1.0" encoding="utf-8"?>
-<p:sld xmlns:a="http://schemas.openxmlformats.org/drawingml/2006/main" xmlns:r="http://schemas.openxmlformats.org/officeDocument/2006/relationships" xmlns:p="http://schemas.openxmlformats.org/presentationml/2006/main">
-  <p:cSld>
-    <p:spTree>
-      <p:nvGrpSpPr>
-        <p:cNvPr id="1" name=""/>
-        <p:cNvGrpSpPr/>
-        <p:nvPr/>
-      </p:nvGrpSpPr>
-      <p:grpSpPr>
-        <a:xfrm>
-          <a:off x="0" y="0"/>
-          <a:ext cx="0" cy="0"/>
-          <a:chOff x="0" y="0"/>
-          <a:chExt cx="0" cy="0"/>
-        </a:xfrm>
-      </p:grpSpPr>
-      <p:sp>
-        <p:nvSpPr>
-          <p:cNvPr id="2" name="Titre 1"/>
-          <p:cNvSpPr>
-            <a:spLocks noGrp="1"/>
-          </p:cNvSpPr>
-          <p:nvPr>
-            <p:ph type="title"/>
-          </p:nvPr>
-        </p:nvSpPr>
-        <p:spPr/>
-        <p:txBody>
-          <a:bodyPr/>
-          <a:lstStyle/>
-          <a:p>
-            <a:r>
-              <a:rPr lang="fr-FR" dirty="0" err="1" smtClean="0"/>
-              <a:t>Tuples</a:t>
-            </a:r>
-            <a:endParaRPr lang="fr-FR" dirty="0"/>
-          </a:p>
-        </p:txBody>
-      </p:sp>
-      <p:sp>
-        <p:nvSpPr>
-          <p:cNvPr id="3" name="Espace réservé du contenu 2"/>
-          <p:cNvSpPr>
-            <a:spLocks noGrp="1"/>
-          </p:cNvSpPr>
-          <p:nvPr>
-            <p:ph idx="1"/>
-          </p:nvPr>
-        </p:nvSpPr>
-        <p:spPr/>
-        <p:txBody>
-          <a:bodyPr/>
-          <a:lstStyle/>
-          <a:p>
-            <a:r>
-              <a:rPr lang="fr-FR" dirty="0" smtClean="0"/>
-              <a:t>Est une collection de valeurs non modifiable</a:t>
-            </a:r>
-          </a:p>
-          <a:p>
-            <a:r>
-              <a:rPr lang="en-GB" altLang="fr-FR" dirty="0" smtClean="0"/>
-              <a:t>Des </a:t>
-            </a:r>
-            <a:r>
-              <a:rPr lang="en-GB" altLang="fr-FR" dirty="0" err="1"/>
-              <a:t>valeurs</a:t>
-            </a:r>
-            <a:r>
-              <a:rPr lang="en-GB" altLang="fr-FR" dirty="0"/>
-              <a:t> (entre </a:t>
-            </a:r>
-            <a:r>
-              <a:rPr lang="en-GB" altLang="fr-FR" dirty="0" err="1"/>
-              <a:t>parenthèses</a:t>
-            </a:r>
-            <a:r>
-              <a:rPr lang="en-GB" altLang="fr-FR" dirty="0"/>
-              <a:t>) </a:t>
-            </a:r>
-            <a:r>
-              <a:rPr lang="en-GB" altLang="fr-FR" dirty="0" err="1"/>
-              <a:t>séparées</a:t>
-            </a:r>
-            <a:r>
-              <a:rPr lang="en-GB" altLang="fr-FR" dirty="0"/>
-              <a:t> par des </a:t>
-            </a:r>
-            <a:r>
-              <a:rPr lang="en-GB" altLang="fr-FR" dirty="0" smtClean="0"/>
-              <a:t>virgules</a:t>
-            </a:r>
-          </a:p>
-          <a:p>
-            <a:pPr lvl="1"/>
-            <a:r>
-              <a:rPr lang="en-GB" altLang="fr-FR" dirty="0" smtClean="0"/>
-              <a:t>&gt;&gt;&gt;</a:t>
-            </a:r>
-            <a:r>
-              <a:rPr lang="en-GB" altLang="fr-FR" dirty="0"/>
-              <a:t>tuple=(0,1.4,’world</a:t>
-            </a:r>
-            <a:r>
-              <a:rPr lang="en-GB" altLang="fr-FR" dirty="0" smtClean="0"/>
-              <a:t>’)</a:t>
-            </a:r>
-          </a:p>
-          <a:p>
-            <a:r>
-              <a:rPr lang="en-GB" altLang="fr-FR" dirty="0" err="1" smtClean="0"/>
-              <a:t>Très</a:t>
-            </a:r>
-            <a:r>
-              <a:rPr lang="en-GB" altLang="fr-FR" dirty="0" smtClean="0"/>
-              <a:t> utile pour les retours de </a:t>
-            </a:r>
-            <a:r>
-              <a:rPr lang="en-GB" altLang="fr-FR" dirty="0" err="1" smtClean="0"/>
-              <a:t>fonctions</a:t>
-            </a:r>
-            <a:endParaRPr lang="en-GB" altLang="fr-FR" dirty="0" smtClean="0"/>
-          </a:p>
-          <a:p>
-            <a:pPr lvl="1"/>
-            <a:r>
-              <a:rPr lang="en-GB" altLang="fr-FR" dirty="0" err="1" smtClean="0"/>
-              <a:t>Egalement</a:t>
-            </a:r>
-            <a:r>
-              <a:rPr lang="en-GB" altLang="fr-FR" dirty="0" smtClean="0"/>
-              <a:t> pour les </a:t>
-            </a:r>
-            <a:r>
-              <a:rPr lang="en-GB" altLang="fr-FR" dirty="0" err="1" smtClean="0"/>
-              <a:t>appels</a:t>
-            </a:r>
-            <a:r>
-              <a:rPr lang="en-GB" altLang="fr-FR" dirty="0" smtClean="0"/>
-              <a:t> pour assurer de la non modification des </a:t>
-            </a:r>
-            <a:r>
-              <a:rPr lang="en-GB" altLang="fr-FR" dirty="0" err="1" smtClean="0"/>
-              <a:t>valeurs</a:t>
-            </a:r>
-            <a:endParaRPr lang="en-GB" altLang="fr-FR" dirty="0" smtClean="0"/>
-          </a:p>
-          <a:p>
-            <a:r>
-              <a:rPr lang="en-GB" altLang="fr-FR" dirty="0" err="1" smtClean="0"/>
-              <a:t>Rapide</a:t>
-            </a:r>
-            <a:endParaRPr lang="en-GB" altLang="fr-FR" dirty="0" smtClean="0"/>
-          </a:p>
-          <a:p>
-            <a:r>
-              <a:rPr lang="en-GB" altLang="fr-FR" dirty="0"/>
-              <a:t>t</a:t>
-            </a:r>
-            <a:r>
-              <a:rPr lang="en-GB" altLang="fr-FR" smtClean="0"/>
-              <a:t>uple</a:t>
-            </a:r>
-            <a:r>
-              <a:rPr lang="en-GB" altLang="fr-FR" dirty="0" smtClean="0"/>
-              <a:t>()</a:t>
-            </a:r>
-          </a:p>
-          <a:p>
-            <a:pPr lvl="1"/>
-            <a:r>
-              <a:rPr lang="en-GB" altLang="fr-FR" dirty="0" err="1" smtClean="0"/>
-              <a:t>Convertit</a:t>
-            </a:r>
-            <a:r>
-              <a:rPr lang="en-GB" altLang="fr-FR" dirty="0" smtClean="0"/>
-              <a:t> </a:t>
-            </a:r>
-            <a:r>
-              <a:rPr lang="en-GB" altLang="fr-FR" dirty="0" err="1" smtClean="0"/>
-              <a:t>une</a:t>
-            </a:r>
-            <a:r>
-              <a:rPr lang="en-GB" altLang="fr-FR" dirty="0" smtClean="0"/>
-              <a:t> </a:t>
-            </a:r>
-            <a:r>
-              <a:rPr lang="en-GB" altLang="fr-FR" dirty="0" err="1" smtClean="0"/>
-              <a:t>liste</a:t>
-            </a:r>
-            <a:r>
-              <a:rPr lang="en-GB" altLang="fr-FR" dirty="0" smtClean="0"/>
-              <a:t> </a:t>
-            </a:r>
-            <a:r>
-              <a:rPr lang="en-GB" altLang="fr-FR" dirty="0" err="1" smtClean="0"/>
-              <a:t>en</a:t>
-            </a:r>
-            <a:r>
-              <a:rPr lang="en-GB" altLang="fr-FR" dirty="0" smtClean="0"/>
-              <a:t> tuple </a:t>
-            </a:r>
-            <a:r>
-              <a:rPr lang="en-GB" altLang="fr-FR" dirty="0" err="1" smtClean="0"/>
-              <a:t>en</a:t>
-            </a:r>
-            <a:r>
-              <a:rPr lang="en-GB" altLang="fr-FR" dirty="0" smtClean="0"/>
-              <a:t> la </a:t>
-            </a:r>
-            <a:r>
-              <a:rPr lang="en-GB" altLang="fr-FR" dirty="0" err="1" smtClean="0"/>
-              <a:t>clonant</a:t>
-            </a:r>
-            <a:r>
-              <a:rPr lang="en-GB" altLang="fr-FR" dirty="0" smtClean="0"/>
-              <a:t> </a:t>
-            </a:r>
-            <a:r>
-              <a:rPr lang="en-GB" altLang="fr-FR" dirty="0" err="1" smtClean="0"/>
-              <a:t>ou</a:t>
-            </a:r>
-            <a:r>
-              <a:rPr lang="en-GB" altLang="fr-FR" dirty="0" smtClean="0"/>
-              <a:t> clone le tuple</a:t>
-            </a:r>
-          </a:p>
-          <a:p>
-            <a:endParaRPr lang="en-GB" altLang="fr-FR" dirty="0"/>
-          </a:p>
-          <a:p>
-            <a:endParaRPr lang="fr-FR" dirty="0"/>
-          </a:p>
-        </p:txBody>
-      </p:sp>
-    </p:spTree>
-    <p:extLst>
-      <p:ext uri="{BB962C8B-B14F-4D97-AF65-F5344CB8AC3E}">
-        <p14:creationId xmlns:p14="http://schemas.microsoft.com/office/powerpoint/2010/main" val="4208615261"/>
-      </p:ext>
-    </p:extLst>
-  </p:cSld>
-  <p:clrMapOvr>
-    <a:masterClrMapping/>
-  </p:clrMapOvr>
-  <p:timing>
-    <p:tnLst>
-      <p:par>
-        <p:cTn id="1" dur="indefinite" restart="never" nodeType="tmRoot"/>
-      </p:par>
-    </p:tnLst>
-  </p:timing>
-</p:sld>
-</file>
-
-<file path=ppt/slides/slide35.xml><?xml version="1.0" encoding="utf-8"?>
-<p:sld xmlns:a="http://schemas.openxmlformats.org/drawingml/2006/main" xmlns:r="http://schemas.openxmlformats.org/officeDocument/2006/relationships" xmlns:p="http://schemas.openxmlformats.org/presentationml/2006/main">
-  <p:cSld>
-    <p:spTree>
-      <p:nvGrpSpPr>
-        <p:cNvPr id="1" name=""/>
-        <p:cNvGrpSpPr/>
-        <p:nvPr/>
-      </p:nvGrpSpPr>
-      <p:grpSpPr>
-        <a:xfrm>
-          <a:off x="0" y="0"/>
-          <a:ext cx="0" cy="0"/>
-          <a:chOff x="0" y="0"/>
-          <a:chExt cx="0" cy="0"/>
-        </a:xfrm>
-      </p:grpSpPr>
-      <p:sp>
-        <p:nvSpPr>
-          <p:cNvPr id="2" name="Titre 1"/>
-          <p:cNvSpPr>
-            <a:spLocks noGrp="1"/>
-          </p:cNvSpPr>
-          <p:nvPr>
-            <p:ph type="title"/>
-          </p:nvPr>
-        </p:nvSpPr>
-        <p:spPr/>
-        <p:txBody>
-          <a:bodyPr/>
-          <a:lstStyle/>
-          <a:p>
-            <a:r>
-              <a:rPr lang="fr-FR" dirty="0" smtClean="0"/>
-              <a:t>Opération sur les </a:t>
-            </a:r>
-            <a:r>
-              <a:rPr lang="fr-FR" dirty="0" err="1" smtClean="0"/>
-              <a:t>tuples</a:t>
-            </a:r>
-            <a:endParaRPr lang="fr-FR" dirty="0"/>
-          </a:p>
-        </p:txBody>
-      </p:sp>
-      <p:pic>
-        <p:nvPicPr>
-          <p:cNvPr id="4" name="Picture 6" descr="D:\python\sv4884904.gif"/>
-          <p:cNvPicPr>
-            <a:picLocks noChangeAspect="1" noChangeArrowheads="1"/>
-          </p:cNvPicPr>
-          <p:nvPr/>
-        </p:nvPicPr>
-        <p:blipFill>
-          <a:blip r:embed="rId2">
-            <a:grayscl/>
-            <a:biLevel thresh="50000"/>
-            <a:extLst>
-              <a:ext uri="{28A0092B-C50C-407E-A947-70E740481C1C}">
-                <a14:useLocalDpi xmlns:a14="http://schemas.microsoft.com/office/drawing/2010/main" val="0"/>
-              </a:ext>
-            </a:extLst>
-          </a:blip>
-          <a:srcRect/>
-          <a:stretch>
-            <a:fillRect/>
-          </a:stretch>
-        </p:blipFill>
-        <p:spPr bwMode="auto">
-          <a:xfrm>
-            <a:off x="1187624" y="1177431"/>
-            <a:ext cx="6400800" cy="5029200"/>
-          </a:xfrm>
-          <a:prstGeom prst="rect">
-            <a:avLst/>
-          </a:prstGeom>
-          <a:noFill/>
-          <a:ln>
-            <a:noFill/>
-          </a:ln>
-          <a:extLst>
-            <a:ext uri="{909E8E84-426E-40DD-AFC4-6F175D3DCCD1}">
-              <a14:hiddenFill xmlns:a14="http://schemas.microsoft.com/office/drawing/2010/main">
-                <a:solidFill>
-                  <a:srgbClr val="FFFFFF"/>
-                </a:solidFill>
-              </a14:hiddenFill>
-            </a:ext>
-            <a:ext uri="{91240B29-F687-4F45-9708-019B960494DF}">
-              <a14:hiddenLine xmlns:a14="http://schemas.microsoft.com/office/drawing/2010/main" w="9525">
-                <a:solidFill>
-                  <a:srgbClr val="000000"/>
-                </a:solidFill>
-                <a:miter lim="800000"/>
-                <a:headEnd/>
-                <a:tailEnd/>
-              </a14:hiddenLine>
-            </a:ext>
-          </a:extLst>
-        </p:spPr>
-      </p:pic>
-    </p:spTree>
-    <p:extLst>
-      <p:ext uri="{BB962C8B-B14F-4D97-AF65-F5344CB8AC3E}">
-        <p14:creationId xmlns:p14="http://schemas.microsoft.com/office/powerpoint/2010/main" val="1413346885"/>
-      </p:ext>
-    </p:extLst>
-  </p:cSld>
-  <p:clrMapOvr>
-    <a:masterClrMapping/>
-  </p:clrMapOvr>
-  <p:timing>
-    <p:tnLst>
-      <p:par>
-        <p:cTn id="1" dur="indefinite" restart="never" nodeType="tmRoot">
-          <p:childTnLst>
-            <p:seq concurrent="1" nextAc="seek">
-              <p:cTn id="2" dur="indefinite" nodeType="mainSeq">
-                <p:childTnLst>
-                  <p:par>
-                    <p:cTn id="3" fill="hold">
-                      <p:stCondLst>
-                        <p:cond delay="indefinite"/>
-                        <p:cond evt="onBegin" delay="0">
-                          <p:tn val="2"/>
-                        </p:cond>
-                      </p:stCondLst>
-                      <p:childTnLst>
-                        <p:par>
-                          <p:cTn id="4" fill="hold">
-                            <p:stCondLst>
-                              <p:cond delay="0"/>
-                            </p:stCondLst>
-                            <p:childTnLst>
-                              <p:par>
-                                <p:cTn id="5" presetID="4" presetClass="entr" presetSubtype="32" fill="hold" nodeType="afterEffect">
-                                  <p:stCondLst>
-                                    <p:cond delay="0"/>
-                                  </p:stCondLst>
-                                  <p:childTnLst>
-                                    <p:set>
-                                      <p:cBhvr>
-                                        <p:cTn id="6" dur="1" fill="hold">
-                                          <p:stCondLst>
-                                            <p:cond delay="0"/>
-                                          </p:stCondLst>
-                                        </p:cTn>
-                                        <p:tgtEl>
-                                          <p:spTgt spid="4"/>
-                                        </p:tgtEl>
-                                        <p:attrNameLst>
-                                          <p:attrName>style.visibility</p:attrName>
-                                        </p:attrNameLst>
-                                      </p:cBhvr>
-                                      <p:to>
-                                        <p:strVal val="visible"/>
-                                      </p:to>
-                                    </p:set>
-                                    <p:animEffect transition="in" filter="box(out)">
-                                      <p:cBhvr>
-                                        <p:cTn id="7" dur="500"/>
-                                        <p:tgtEl>
-                                          <p:spTgt spid="4"/>
-                                        </p:tgtEl>
-                                      </p:cBhvr>
-                                    </p:animEffect>
-                                  </p:childTnLst>
-                                </p:cTn>
-                              </p:par>
-                            </p:childTnLst>
-                          </p:cTn>
-                        </p:par>
-                      </p:childTnLst>
-                    </p:cTn>
-                  </p:par>
-                </p:childTnLst>
-              </p:cTn>
-              <p:prevCondLst>
-                <p:cond evt="onPrev" delay="0">
-                  <p:tgtEl>
-                    <p:sldTgt/>
-                  </p:tgtEl>
-                </p:cond>
-              </p:prevCondLst>
-              <p:nextCondLst>
-                <p:cond evt="onNext" delay="0">
-                  <p:tgtEl>
-                    <p:sldTgt/>
-                  </p:tgtEl>
-                </p:cond>
-              </p:nextCondLst>
-            </p:seq>
-          </p:childTnLst>
-        </p:cTn>
-      </p:par>
-    </p:tnLst>
-  </p:timing>
-</p:sld>
-</file>
-
 <file path=ppt/slides/slide4.xml><?xml version="1.0" encoding="utf-8"?>
 <p:sld xmlns:a="http://schemas.openxmlformats.org/drawingml/2006/main" xmlns:r="http://schemas.openxmlformats.org/officeDocument/2006/relationships" xmlns:p="http://schemas.openxmlformats.org/presentationml/2006/main">
   <p:cSld>
@@ -10764,10 +10003,9 @@
           <a:lstStyle/>
           <a:p>
             <a:r>
-              <a:rPr lang="fr-FR" dirty="0" smtClean="0"/>
+              <a:rPr lang="fr-FR" dirty="0"/>
               <a:t>Exemple</a:t>
             </a:r>
-            <a:endParaRPr lang="fr-FR" dirty="0"/>
           </a:p>
         </p:txBody>
       </p:sp>
@@ -10884,10 +10122,9 @@
           <a:lstStyle/>
           <a:p>
             <a:r>
-              <a:rPr lang="fr-FR" dirty="0" smtClean="0"/>
+              <a:rPr lang="fr-FR" dirty="0"/>
               <a:t>CLI</a:t>
             </a:r>
-            <a:endParaRPr lang="fr-FR" dirty="0"/>
           </a:p>
         </p:txBody>
       </p:sp>
@@ -10980,10 +10217,9 @@
           <a:lstStyle/>
           <a:p>
             <a:r>
-              <a:rPr lang="fr-FR" dirty="0" smtClean="0"/>
+              <a:rPr lang="fr-FR" dirty="0"/>
               <a:t>Scripts Python</a:t>
             </a:r>
-            <a:endParaRPr lang="fr-FR" dirty="0"/>
           </a:p>
         </p:txBody>
       </p:sp>
@@ -11003,85 +10239,84 @@
           <a:lstStyle/>
           <a:p>
             <a:r>
-              <a:rPr lang="fr-FR" dirty="0" smtClean="0"/>
+              <a:rPr lang="fr-FR" dirty="0"/>
               <a:t>Fichiers *.</a:t>
             </a:r>
             <a:r>
-              <a:rPr lang="fr-FR" dirty="0" err="1" smtClean="0"/>
+              <a:rPr lang="fr-FR" dirty="0" err="1"/>
               <a:t>py</a:t>
             </a:r>
-            <a:endParaRPr lang="fr-FR" dirty="0" smtClean="0"/>
-          </a:p>
-          <a:p>
-            <a:r>
-              <a:rPr lang="fr-FR" dirty="0" smtClean="0"/>
+            <a:endParaRPr lang="fr-FR" dirty="0"/>
+          </a:p>
+          <a:p>
+            <a:r>
+              <a:rPr lang="fr-FR" dirty="0"/>
               <a:t>Python filename.py</a:t>
             </a:r>
           </a:p>
           <a:p>
             <a:r>
-              <a:rPr lang="fr-FR" dirty="0" smtClean="0"/>
+              <a:rPr lang="fr-FR" dirty="0"/>
               <a:t>Editeurs</a:t>
             </a:r>
           </a:p>
           <a:p>
             <a:pPr lvl="1"/>
             <a:r>
-              <a:rPr lang="fr-FR" dirty="0" smtClean="0"/>
+              <a:rPr lang="fr-FR" dirty="0"/>
               <a:t>Notepad</a:t>
             </a:r>
           </a:p>
           <a:p>
             <a:pPr lvl="1"/>
             <a:r>
-              <a:rPr lang="fr-FR" dirty="0" smtClean="0"/>
+              <a:rPr lang="fr-FR" dirty="0"/>
               <a:t>Visual Studio</a:t>
             </a:r>
           </a:p>
           <a:p>
             <a:pPr lvl="2"/>
             <a:r>
-              <a:rPr lang="fr-FR" dirty="0" smtClean="0"/>
+              <a:rPr lang="fr-FR" dirty="0"/>
               <a:t>Code</a:t>
             </a:r>
           </a:p>
           <a:p>
             <a:pPr lvl="2"/>
             <a:r>
-              <a:rPr lang="fr-FR" dirty="0" err="1" smtClean="0"/>
+              <a:rPr lang="fr-FR" dirty="0" err="1"/>
               <a:t>Community</a:t>
             </a:r>
-            <a:endParaRPr lang="fr-FR" dirty="0" smtClean="0"/>
+            <a:endParaRPr lang="fr-FR" dirty="0"/>
           </a:p>
           <a:p>
             <a:pPr lvl="2"/>
             <a:r>
-              <a:rPr lang="fr-FR" dirty="0" smtClean="0"/>
+              <a:rPr lang="fr-FR" dirty="0"/>
               <a:t>Professional</a:t>
             </a:r>
           </a:p>
           <a:p>
             <a:pPr lvl="1"/>
             <a:r>
-              <a:rPr lang="fr-FR" dirty="0" smtClean="0"/>
+              <a:rPr lang="fr-FR" dirty="0"/>
               <a:t>Eclipse</a:t>
             </a:r>
           </a:p>
           <a:p>
             <a:pPr lvl="1"/>
             <a:r>
-              <a:rPr lang="fr-FR" dirty="0" err="1" smtClean="0"/>
+              <a:rPr lang="fr-FR" dirty="0" err="1"/>
               <a:t>PyCharm</a:t>
             </a:r>
-            <a:endParaRPr lang="fr-FR" dirty="0" smtClean="0"/>
+            <a:endParaRPr lang="fr-FR" dirty="0"/>
           </a:p>
           <a:p>
             <a:pPr lvl="1"/>
             <a:r>
-              <a:rPr lang="fr-FR" dirty="0" smtClean="0"/>
+              <a:rPr lang="fr-FR" dirty="0"/>
               <a:t>…</a:t>
             </a:r>
-            <a:endParaRPr lang="fr-FR" dirty="0"/>
           </a:p>
         </p:txBody>
       </p:sp>
@@ -11095,13 +10330,6 @@
   <p:clrMapOvr>
     <a:masterClrMapping/>
   </p:clrMapOvr>
-  <p:timing>
-    <p:tnLst>
-      <p:par>
-        <p:cTn id="1" dur="indefinite" restart="never" nodeType="tmRoot"/>
-      </p:par>
-    </p:tnLst>
-  </p:timing>
 </p:sld>
 </file>
 
@@ -11138,10 +10366,9 @@
           <a:lstStyle/>
           <a:p>
             <a:r>
-              <a:rPr lang="fr-FR" dirty="0" smtClean="0"/>
+              <a:rPr lang="fr-FR" dirty="0"/>
               <a:t>Commentaires</a:t>
             </a:r>
-            <a:endParaRPr lang="fr-FR" dirty="0"/>
           </a:p>
         </p:txBody>
       </p:sp>
@@ -11161,14 +10388,14 @@
           <a:lstStyle/>
           <a:p>
             <a:r>
-              <a:rPr lang="fr-FR" dirty="0" smtClean="0"/>
+              <a:rPr lang="fr-FR" dirty="0"/>
               <a:t>#</a:t>
             </a:r>
           </a:p>
           <a:p>
             <a:pPr lvl="1"/>
             <a:r>
-              <a:rPr lang="fr-FR" dirty="0" smtClean="0"/>
+              <a:rPr lang="fr-FR" dirty="0"/>
               <a:t>Commentaire mono ligne</a:t>
             </a:r>
           </a:p>
@@ -11176,26 +10403,18 @@
             <a:endParaRPr lang="fr-FR" dirty="0"/>
           </a:p>
           <a:p>
-            <a:endParaRPr lang="fr-FR" dirty="0" smtClean="0"/>
-          </a:p>
-          <a:p>
             <a:endParaRPr lang="fr-FR" dirty="0"/>
           </a:p>
           <a:p>
-            <a:r>
-              <a:rPr lang="fr-FR" smtClean="0"/>
-              <a:t>""" </a:t>
-            </a:r>
+            <a:endParaRPr lang="fr-FR" dirty="0"/>
+          </a:p>
+          <a:p>
             <a:r>
               <a:rPr lang="fr-FR"/>
-              <a:t>""" </a:t>
-            </a:r>
-            <a:r>
-              <a:rPr lang="fr-FR" smtClean="0"/>
-              <a:t>Commentaire </a:t>
-            </a:r>
-            <a:r>
-              <a:rPr lang="fr-FR" dirty="0" err="1" smtClean="0"/>
+              <a:t>""" """ Commentaire </a:t>
+            </a:r>
+            <a:r>
+              <a:rPr lang="fr-FR" dirty="0" err="1"/>
               <a:t>multiligne</a:t>
             </a:r>
             <a:endParaRPr lang="fr-FR" dirty="0"/>
@@ -11260,13 +10479,6 @@
   <p:clrMapOvr>
     <a:masterClrMapping/>
   </p:clrMapOvr>
-  <p:timing>
-    <p:tnLst>
-      <p:par>
-        <p:cTn id="1" dur="indefinite" restart="never" nodeType="tmRoot"/>
-      </p:par>
-    </p:tnLst>
-  </p:timing>
 </p:sld>
 </file>
 
@@ -11303,10 +10515,9 @@
           <a:lstStyle/>
           <a:p>
             <a:r>
-              <a:rPr lang="fr-FR" dirty="0" smtClean="0"/>
+              <a:rPr lang="fr-FR" dirty="0"/>
               <a:t>Les opérations</a:t>
             </a:r>
-            <a:endParaRPr lang="fr-FR" dirty="0"/>
           </a:p>
         </p:txBody>
       </p:sp>
@@ -11326,49 +10537,49 @@
           <a:lstStyle/>
           <a:p>
             <a:r>
-              <a:rPr lang="fr-FR" dirty="0" smtClean="0"/>
+              <a:rPr lang="fr-FR" dirty="0"/>
               <a:t>Les opérations courantes sont autorisées</a:t>
             </a:r>
           </a:p>
           <a:p>
             <a:pPr lvl="1"/>
             <a:r>
-              <a:rPr lang="fr-FR" dirty="0" smtClean="0"/>
+              <a:rPr lang="fr-FR" dirty="0"/>
               <a:t>+,-,*,/, +=, -=</a:t>
             </a:r>
           </a:p>
           <a:p>
             <a:pPr lvl="1"/>
             <a:r>
-              <a:rPr lang="fr-FR" dirty="0" smtClean="0"/>
+              <a:rPr lang="fr-FR" dirty="0"/>
               <a:t>/ représente la division flottante</a:t>
             </a:r>
           </a:p>
           <a:p>
             <a:pPr lvl="2"/>
             <a:r>
-              <a:rPr lang="fr-FR" dirty="0" smtClean="0"/>
+              <a:rPr lang="fr-FR" dirty="0"/>
               <a:t>Attention en Python 2 / représentait la division entière</a:t>
             </a:r>
           </a:p>
           <a:p>
             <a:pPr lvl="1"/>
             <a:r>
-              <a:rPr lang="fr-FR" dirty="0" smtClean="0"/>
+              <a:rPr lang="fr-FR" dirty="0"/>
               <a:t>// représente la division entière</a:t>
             </a:r>
           </a:p>
           <a:p>
             <a:pPr lvl="1"/>
             <a:r>
-              <a:rPr lang="fr-FR" dirty="0" smtClean="0"/>
+              <a:rPr lang="fr-FR" dirty="0"/>
               <a:t>** représente la puissance</a:t>
             </a:r>
           </a:p>
           <a:p>
             <a:pPr lvl="1"/>
             <a:r>
-              <a:rPr lang="fr-FR" dirty="0" smtClean="0"/>
+              <a:rPr lang="fr-FR" dirty="0"/>
               <a:t>% représente le reste de la division entière</a:t>
             </a:r>
           </a:p>
@@ -11388,13 +10599,6 @@
   <p:clrMapOvr>
     <a:masterClrMapping/>
   </p:clrMapOvr>
-  <p:timing>
-    <p:tnLst>
-      <p:par>
-        <p:cTn id="1" dur="indefinite" restart="never" nodeType="tmRoot"/>
-      </p:par>
-    </p:tnLst>
-  </p:timing>
 </p:sld>
 </file>
 
@@ -11431,10 +10635,9 @@
           <a:lstStyle/>
           <a:p>
             <a:r>
-              <a:rPr lang="fr-FR" dirty="0" smtClean="0"/>
+              <a:rPr lang="fr-FR" dirty="0"/>
               <a:t>Les chaînes</a:t>
             </a:r>
-            <a:endParaRPr lang="fr-FR" dirty="0"/>
           </a:p>
         </p:txBody>
       </p:sp>
@@ -11530,13 +10733,6 @@
   <p:clrMapOvr>
     <a:masterClrMapping/>
   </p:clrMapOvr>
-  <p:timing>
-    <p:tnLst>
-      <p:par>
-        <p:cTn id="1" dur="indefinite" restart="never" nodeType="tmRoot"/>
-      </p:par>
-    </p:tnLst>
-  </p:timing>
 </p:sld>
 </file>
 
